--- a/GitDataFile 사용 매뉴얼.pptx
+++ b/GitDataFile 사용 매뉴얼.pptx
@@ -22,21 +22,21 @@
   <p:notesSz cx="6858000" cy="9144000"/>
   <p:embeddedFontLst>
     <p:embeddedFont>
-      <p:font typeface="맑은 고딕" panose="020B0503020000020004" pitchFamily="50" charset="-127"/>
+      <p:font typeface="Calibri" panose="020F0502020204030204" pitchFamily="34" charset="0"/>
       <p:regular r:id="rId10"/>
       <p:bold r:id="rId11"/>
-    </p:embeddedFont>
-    <p:embeddedFont>
-      <p:font typeface="Calibri" panose="020F0502020204030204" pitchFamily="34" charset="0"/>
-      <p:regular r:id="rId12"/>
-      <p:bold r:id="rId13"/>
-      <p:italic r:id="rId14"/>
-      <p:boldItalic r:id="rId15"/>
+      <p:italic r:id="rId12"/>
+      <p:boldItalic r:id="rId13"/>
     </p:embeddedFont>
     <p:embeddedFont>
       <p:font typeface="Calibri Light" panose="020F0302020204030204" pitchFamily="34" charset="0"/>
+      <p:regular r:id="rId14"/>
+      <p:italic r:id="rId15"/>
+    </p:embeddedFont>
+    <p:embeddedFont>
+      <p:font typeface="맑은 고딕" panose="020B0503020000020004" pitchFamily="50" charset="-127"/>
       <p:regular r:id="rId16"/>
-      <p:italic r:id="rId17"/>
+      <p:bold r:id="rId17"/>
     </p:embeddedFont>
   </p:embeddedFontLst>
   <p:defaultTextStyle>
@@ -258,7 +258,7 @@
           <a:p>
             <a:fld id="{19DEAE4A-A09C-4E7B-B24F-46F0D09F3E4E}" type="datetimeFigureOut">
               <a:rPr lang="ko-KR" altLang="en-US" smtClean="0"/>
-              <a:t>2019-11-06</a:t>
+              <a:t>2019-11-09</a:t>
             </a:fld>
             <a:endParaRPr lang="ko-KR" altLang="en-US"/>
           </a:p>
@@ -424,7 +424,7 @@
           <a:p>
             <a:fld id="{ECE87483-C397-43F3-ABB1-B8D09FEC7C42}" type="datetimeFigureOut">
               <a:rPr lang="ko-KR" altLang="en-US" smtClean="0"/>
-              <a:t>2019-11-06</a:t>
+              <a:t>2019-11-09</a:t>
             </a:fld>
             <a:endParaRPr lang="ko-KR" altLang="en-US"/>
           </a:p>
@@ -488,38 +488,37 @@
           <a:p>
             <a:pPr lvl="0"/>
             <a:r>
-              <a:rPr lang="ko-KR" altLang="en-US" smtClean="0"/>
+              <a:rPr lang="ko-KR" altLang="en-US"/>
               <a:t>마스터 텍스트 스타일을 편집합니다</a:t>
             </a:r>
           </a:p>
           <a:p>
             <a:pPr lvl="1"/>
             <a:r>
-              <a:rPr lang="ko-KR" altLang="en-US" smtClean="0"/>
+              <a:rPr lang="ko-KR" altLang="en-US"/>
               <a:t>둘째 수준</a:t>
             </a:r>
           </a:p>
           <a:p>
             <a:pPr lvl="2"/>
             <a:r>
-              <a:rPr lang="ko-KR" altLang="en-US" smtClean="0"/>
+              <a:rPr lang="ko-KR" altLang="en-US"/>
               <a:t>셋째 수준</a:t>
             </a:r>
           </a:p>
           <a:p>
             <a:pPr lvl="3"/>
             <a:r>
-              <a:rPr lang="ko-KR" altLang="en-US" smtClean="0"/>
+              <a:rPr lang="ko-KR" altLang="en-US"/>
               <a:t>넷째 수준</a:t>
             </a:r>
           </a:p>
           <a:p>
             <a:pPr lvl="4"/>
             <a:r>
-              <a:rPr lang="ko-KR" altLang="en-US" smtClean="0"/>
+              <a:rPr lang="ko-KR" altLang="en-US"/>
               <a:t>다섯째 수준</a:t>
             </a:r>
-            <a:endParaRPr lang="ko-KR" altLang="en-US"/>
           </a:p>
         </p:txBody>
       </p:sp>
@@ -824,7 +823,7 @@
           </a:lstStyle>
           <a:p>
             <a:r>
-              <a:rPr lang="ko-KR" altLang="en-US" smtClean="0"/>
+              <a:rPr lang="ko-KR" altLang="en-US"/>
               <a:t>마스터 제목 스타일 편집</a:t>
             </a:r>
             <a:endParaRPr lang="en-US" dirty="0"/>
@@ -889,7 +888,7 @@
           </a:lstStyle>
           <a:p>
             <a:r>
-              <a:rPr lang="ko-KR" altLang="en-US" smtClean="0"/>
+              <a:rPr lang="ko-KR" altLang="en-US"/>
               <a:t>클릭하여 마스터 부제목 스타일 편집</a:t>
             </a:r>
             <a:endParaRPr lang="en-US" dirty="0"/>
@@ -913,7 +912,7 @@
           <a:p>
             <a:fld id="{C764DE79-268F-4C1A-8933-263129D2AF90}" type="datetimeFigureOut">
               <a:rPr lang="en-US" dirty="0"/>
-              <a:t>11/6/2019</a:t>
+              <a:t>11/9/2019</a:t>
             </a:fld>
             <a:endParaRPr lang="en-US" dirty="0"/>
           </a:p>
@@ -971,13 +970,6 @@
   <p:clrMapOvr>
     <a:masterClrMapping/>
   </p:clrMapOvr>
-  <p:timing>
-    <p:tnLst>
-      <p:par>
-        <p:cTn id="1" dur="indefinite" restart="never" nodeType="tmRoot"/>
-      </p:par>
-    </p:tnLst>
-  </p:timing>
   <p:hf hdr="0" dt="0"/>
 </p:sldLayout>
 </file>
@@ -1015,7 +1007,7 @@
           <a:lstStyle/>
           <a:p>
             <a:r>
-              <a:rPr lang="ko-KR" altLang="en-US" smtClean="0"/>
+              <a:rPr lang="ko-KR" altLang="en-US"/>
               <a:t>마스터 제목 스타일 편집</a:t>
             </a:r>
             <a:endParaRPr lang="en-US" dirty="0"/>
@@ -1039,35 +1031,35 @@
           <a:p>
             <a:pPr lvl="0"/>
             <a:r>
-              <a:rPr lang="ko-KR" altLang="en-US" smtClean="0"/>
+              <a:rPr lang="ko-KR" altLang="en-US"/>
               <a:t>마스터 텍스트 스타일 편집</a:t>
             </a:r>
           </a:p>
           <a:p>
             <a:pPr lvl="1"/>
             <a:r>
-              <a:rPr lang="ko-KR" altLang="en-US" smtClean="0"/>
+              <a:rPr lang="ko-KR" altLang="en-US"/>
               <a:t>둘째 수준</a:t>
             </a:r>
           </a:p>
           <a:p>
             <a:pPr lvl="2"/>
             <a:r>
-              <a:rPr lang="ko-KR" altLang="en-US" smtClean="0"/>
+              <a:rPr lang="ko-KR" altLang="en-US"/>
               <a:t>셋째 수준</a:t>
             </a:r>
           </a:p>
           <a:p>
             <a:pPr lvl="3"/>
             <a:r>
-              <a:rPr lang="ko-KR" altLang="en-US" smtClean="0"/>
+              <a:rPr lang="ko-KR" altLang="en-US"/>
               <a:t>넷째 수준</a:t>
             </a:r>
           </a:p>
           <a:p>
             <a:pPr lvl="4"/>
             <a:r>
-              <a:rPr lang="ko-KR" altLang="en-US" smtClean="0"/>
+              <a:rPr lang="ko-KR" altLang="en-US"/>
               <a:t>다섯째 수준</a:t>
             </a:r>
             <a:endParaRPr lang="en-US" dirty="0"/>
@@ -1091,7 +1083,7 @@
           <a:p>
             <a:fld id="{C764DE79-268F-4C1A-8933-263129D2AF90}" type="datetimeFigureOut">
               <a:rPr lang="en-US" dirty="0"/>
-              <a:t>11/6/2019</a:t>
+              <a:t>11/9/2019</a:t>
             </a:fld>
             <a:endParaRPr lang="en-US" dirty="0"/>
           </a:p>
@@ -1149,13 +1141,6 @@
   <p:clrMapOvr>
     <a:masterClrMapping/>
   </p:clrMapOvr>
-  <p:timing>
-    <p:tnLst>
-      <p:par>
-        <p:cTn id="1" dur="indefinite" restart="never" nodeType="tmRoot"/>
-      </p:par>
-    </p:tnLst>
-  </p:timing>
   <p:hf hdr="0" dt="0"/>
 </p:sldLayout>
 </file>
@@ -1198,7 +1183,7 @@
           <a:lstStyle/>
           <a:p>
             <a:r>
-              <a:rPr lang="ko-KR" altLang="en-US" smtClean="0"/>
+              <a:rPr lang="ko-KR" altLang="en-US"/>
               <a:t>마스터 제목 스타일 편집</a:t>
             </a:r>
             <a:endParaRPr lang="en-US" dirty="0"/>
@@ -1227,35 +1212,35 @@
           <a:p>
             <a:pPr lvl="0"/>
             <a:r>
-              <a:rPr lang="ko-KR" altLang="en-US" smtClean="0"/>
+              <a:rPr lang="ko-KR" altLang="en-US"/>
               <a:t>마스터 텍스트 스타일 편집</a:t>
             </a:r>
           </a:p>
           <a:p>
             <a:pPr lvl="1"/>
             <a:r>
-              <a:rPr lang="ko-KR" altLang="en-US" smtClean="0"/>
+              <a:rPr lang="ko-KR" altLang="en-US"/>
               <a:t>둘째 수준</a:t>
             </a:r>
           </a:p>
           <a:p>
             <a:pPr lvl="2"/>
             <a:r>
-              <a:rPr lang="ko-KR" altLang="en-US" smtClean="0"/>
+              <a:rPr lang="ko-KR" altLang="en-US"/>
               <a:t>셋째 수준</a:t>
             </a:r>
           </a:p>
           <a:p>
             <a:pPr lvl="3"/>
             <a:r>
-              <a:rPr lang="ko-KR" altLang="en-US" smtClean="0"/>
+              <a:rPr lang="ko-KR" altLang="en-US"/>
               <a:t>넷째 수준</a:t>
             </a:r>
           </a:p>
           <a:p>
             <a:pPr lvl="4"/>
             <a:r>
-              <a:rPr lang="ko-KR" altLang="en-US" smtClean="0"/>
+              <a:rPr lang="ko-KR" altLang="en-US"/>
               <a:t>다섯째 수준</a:t>
             </a:r>
             <a:endParaRPr lang="en-US" dirty="0"/>
@@ -1279,7 +1264,7 @@
           <a:p>
             <a:fld id="{C764DE79-268F-4C1A-8933-263129D2AF90}" type="datetimeFigureOut">
               <a:rPr lang="en-US" dirty="0"/>
-              <a:t>11/6/2019</a:t>
+              <a:t>11/9/2019</a:t>
             </a:fld>
             <a:endParaRPr lang="en-US" dirty="0"/>
           </a:p>
@@ -1337,13 +1322,6 @@
   <p:clrMapOvr>
     <a:masterClrMapping/>
   </p:clrMapOvr>
-  <p:timing>
-    <p:tnLst>
-      <p:par>
-        <p:cTn id="1" dur="indefinite" restart="never" nodeType="tmRoot"/>
-      </p:par>
-    </p:tnLst>
-  </p:timing>
   <p:hf hdr="0" dt="0"/>
 </p:sldLayout>
 </file>
@@ -2230,14 +2208,7 @@
   <p:clrMapOvr>
     <a:masterClrMapping/>
   </p:clrMapOvr>
-  <p:timing>
-    <p:tnLst>
-      <p:par>
-        <p:cTn id="1" dur="indefinite" restart="never" nodeType="tmRoot"/>
-      </p:par>
-    </p:tnLst>
-  </p:timing>
-  <p:extLst mod="1">
+  <p:extLst>
     <p:ext uri="{DCECCB84-F9BA-43D5-87BE-67443E8EF086}">
       <p15:sldGuideLst xmlns:p15="http://schemas.microsoft.com/office/powerpoint/2012/main">
         <p15:guide id="1" orient="horz" pos="2160">
@@ -2293,13 +2264,6 @@
   <p:clrMapOvr>
     <a:masterClrMapping/>
   </p:clrMapOvr>
-  <p:timing>
-    <p:tnLst>
-      <p:par>
-        <p:cTn id="1" dur="indefinite" restart="never" nodeType="tmRoot"/>
-      </p:par>
-    </p:tnLst>
-  </p:timing>
 </p:sldLayout>
 </file>
 
@@ -2338,13 +2302,6 @@
   <p:clrMapOvr>
     <a:masterClrMapping/>
   </p:clrMapOvr>
-  <p:timing>
-    <p:tnLst>
-      <p:par>
-        <p:cTn id="1" dur="indefinite" restart="never" nodeType="tmRoot"/>
-      </p:par>
-    </p:tnLst>
-  </p:timing>
 </p:sldLayout>
 </file>
 
@@ -2375,13 +2332,6 @@
   <p:clrMapOvr>
     <a:masterClrMapping/>
   </p:clrMapOvr>
-  <p:timing>
-    <p:tnLst>
-      <p:par>
-        <p:cTn id="1" dur="indefinite" restart="never" nodeType="tmRoot"/>
-      </p:par>
-    </p:tnLst>
-  </p:timing>
 </p:sldLayout>
 </file>
 
@@ -2418,7 +2368,7 @@
           <a:lstStyle/>
           <a:p>
             <a:r>
-              <a:rPr lang="ko-KR" altLang="en-US" smtClean="0"/>
+              <a:rPr lang="ko-KR" altLang="en-US"/>
               <a:t>마스터 제목 스타일 편집</a:t>
             </a:r>
             <a:endParaRPr lang="en-US" dirty="0"/>
@@ -2442,35 +2392,35 @@
           <a:p>
             <a:pPr lvl="0"/>
             <a:r>
-              <a:rPr lang="ko-KR" altLang="en-US" smtClean="0"/>
+              <a:rPr lang="ko-KR" altLang="en-US"/>
               <a:t>마스터 텍스트 스타일 편집</a:t>
             </a:r>
           </a:p>
           <a:p>
             <a:pPr lvl="1"/>
             <a:r>
-              <a:rPr lang="ko-KR" altLang="en-US" smtClean="0"/>
+              <a:rPr lang="ko-KR" altLang="en-US"/>
               <a:t>둘째 수준</a:t>
             </a:r>
           </a:p>
           <a:p>
             <a:pPr lvl="2"/>
             <a:r>
-              <a:rPr lang="ko-KR" altLang="en-US" smtClean="0"/>
+              <a:rPr lang="ko-KR" altLang="en-US"/>
               <a:t>셋째 수준</a:t>
             </a:r>
           </a:p>
           <a:p>
             <a:pPr lvl="3"/>
             <a:r>
-              <a:rPr lang="ko-KR" altLang="en-US" smtClean="0"/>
+              <a:rPr lang="ko-KR" altLang="en-US"/>
               <a:t>넷째 수준</a:t>
             </a:r>
           </a:p>
           <a:p>
             <a:pPr lvl="4"/>
             <a:r>
-              <a:rPr lang="ko-KR" altLang="en-US" smtClean="0"/>
+              <a:rPr lang="ko-KR" altLang="en-US"/>
               <a:t>다섯째 수준</a:t>
             </a:r>
             <a:endParaRPr lang="en-US" dirty="0"/>
@@ -2494,7 +2444,7 @@
           <a:p>
             <a:fld id="{C764DE79-268F-4C1A-8933-263129D2AF90}" type="datetimeFigureOut">
               <a:rPr lang="en-US" dirty="0"/>
-              <a:t>11/6/2019</a:t>
+              <a:t>11/9/2019</a:t>
             </a:fld>
             <a:endParaRPr lang="en-US" dirty="0"/>
           </a:p>
@@ -2552,13 +2502,6 @@
   <p:clrMapOvr>
     <a:masterClrMapping/>
   </p:clrMapOvr>
-  <p:timing>
-    <p:tnLst>
-      <p:par>
-        <p:cTn id="1" dur="indefinite" restart="never" nodeType="tmRoot"/>
-      </p:par>
-    </p:tnLst>
-  </p:timing>
   <p:hf hdr="0" dt="0"/>
 </p:sldLayout>
 </file>
@@ -2605,7 +2548,7 @@
           </a:lstStyle>
           <a:p>
             <a:r>
-              <a:rPr lang="ko-KR" altLang="en-US" smtClean="0"/>
+              <a:rPr lang="ko-KR" altLang="en-US"/>
               <a:t>마스터 제목 스타일 편집</a:t>
             </a:r>
             <a:endParaRPr lang="en-US" dirty="0"/>
@@ -2723,7 +2666,7 @@
           <a:p>
             <a:pPr lvl="0"/>
             <a:r>
-              <a:rPr lang="ko-KR" altLang="en-US" smtClean="0"/>
+              <a:rPr lang="ko-KR" altLang="en-US"/>
               <a:t>마스터 텍스트 스타일 편집</a:t>
             </a:r>
           </a:p>
@@ -2746,7 +2689,7 @@
           <a:p>
             <a:fld id="{C764DE79-268F-4C1A-8933-263129D2AF90}" type="datetimeFigureOut">
               <a:rPr lang="en-US" dirty="0"/>
-              <a:t>11/6/2019</a:t>
+              <a:t>11/9/2019</a:t>
             </a:fld>
             <a:endParaRPr lang="en-US" dirty="0"/>
           </a:p>
@@ -2841,7 +2784,7 @@
           <a:lstStyle/>
           <a:p>
             <a:r>
-              <a:rPr lang="ko-KR" altLang="en-US" smtClean="0"/>
+              <a:rPr lang="ko-KR" altLang="en-US"/>
               <a:t>마스터 제목 스타일 편집</a:t>
             </a:r>
             <a:endParaRPr lang="en-US" dirty="0"/>
@@ -2870,35 +2813,35 @@
           <a:p>
             <a:pPr lvl="0"/>
             <a:r>
-              <a:rPr lang="ko-KR" altLang="en-US" smtClean="0"/>
+              <a:rPr lang="ko-KR" altLang="en-US"/>
               <a:t>마스터 텍스트 스타일 편집</a:t>
             </a:r>
           </a:p>
           <a:p>
             <a:pPr lvl="1"/>
             <a:r>
-              <a:rPr lang="ko-KR" altLang="en-US" smtClean="0"/>
+              <a:rPr lang="ko-KR" altLang="en-US"/>
               <a:t>둘째 수준</a:t>
             </a:r>
           </a:p>
           <a:p>
             <a:pPr lvl="2"/>
             <a:r>
-              <a:rPr lang="ko-KR" altLang="en-US" smtClean="0"/>
+              <a:rPr lang="ko-KR" altLang="en-US"/>
               <a:t>셋째 수준</a:t>
             </a:r>
           </a:p>
           <a:p>
             <a:pPr lvl="3"/>
             <a:r>
-              <a:rPr lang="ko-KR" altLang="en-US" smtClean="0"/>
+              <a:rPr lang="ko-KR" altLang="en-US"/>
               <a:t>넷째 수준</a:t>
             </a:r>
           </a:p>
           <a:p>
             <a:pPr lvl="4"/>
             <a:r>
-              <a:rPr lang="ko-KR" altLang="en-US" smtClean="0"/>
+              <a:rPr lang="ko-KR" altLang="en-US"/>
               <a:t>다섯째 수준</a:t>
             </a:r>
             <a:endParaRPr lang="en-US" dirty="0"/>
@@ -2927,35 +2870,35 @@
           <a:p>
             <a:pPr lvl="0"/>
             <a:r>
-              <a:rPr lang="ko-KR" altLang="en-US" smtClean="0"/>
+              <a:rPr lang="ko-KR" altLang="en-US"/>
               <a:t>마스터 텍스트 스타일 편집</a:t>
             </a:r>
           </a:p>
           <a:p>
             <a:pPr lvl="1"/>
             <a:r>
-              <a:rPr lang="ko-KR" altLang="en-US" smtClean="0"/>
+              <a:rPr lang="ko-KR" altLang="en-US"/>
               <a:t>둘째 수준</a:t>
             </a:r>
           </a:p>
           <a:p>
             <a:pPr lvl="2"/>
             <a:r>
-              <a:rPr lang="ko-KR" altLang="en-US" smtClean="0"/>
+              <a:rPr lang="ko-KR" altLang="en-US"/>
               <a:t>셋째 수준</a:t>
             </a:r>
           </a:p>
           <a:p>
             <a:pPr lvl="3"/>
             <a:r>
-              <a:rPr lang="ko-KR" altLang="en-US" smtClean="0"/>
+              <a:rPr lang="ko-KR" altLang="en-US"/>
               <a:t>넷째 수준</a:t>
             </a:r>
           </a:p>
           <a:p>
             <a:pPr lvl="4"/>
             <a:r>
-              <a:rPr lang="ko-KR" altLang="en-US" smtClean="0"/>
+              <a:rPr lang="ko-KR" altLang="en-US"/>
               <a:t>다섯째 수준</a:t>
             </a:r>
             <a:endParaRPr lang="en-US" dirty="0"/>
@@ -2979,7 +2922,7 @@
           <a:p>
             <a:fld id="{C764DE79-268F-4C1A-8933-263129D2AF90}" type="datetimeFigureOut">
               <a:rPr lang="en-US" dirty="0"/>
-              <a:t>11/6/2019</a:t>
+              <a:t>11/9/2019</a:t>
             </a:fld>
             <a:endParaRPr lang="en-US" dirty="0"/>
           </a:p>
@@ -3037,13 +2980,6 @@
   <p:clrMapOvr>
     <a:masterClrMapping/>
   </p:clrMapOvr>
-  <p:timing>
-    <p:tnLst>
-      <p:par>
-        <p:cTn id="1" dur="indefinite" restart="never" nodeType="tmRoot"/>
-      </p:par>
-    </p:tnLst>
-  </p:timing>
   <p:hf hdr="0" dt="0"/>
 </p:sldLayout>
 </file>
@@ -3086,7 +3022,7 @@
           <a:lstStyle/>
           <a:p>
             <a:r>
-              <a:rPr lang="ko-KR" altLang="en-US" smtClean="0"/>
+              <a:rPr lang="ko-KR" altLang="en-US"/>
               <a:t>마스터 제목 스타일 편집</a:t>
             </a:r>
             <a:endParaRPr lang="en-US" dirty="0"/>
@@ -3152,7 +3088,7 @@
           <a:p>
             <a:pPr lvl="0"/>
             <a:r>
-              <a:rPr lang="ko-KR" altLang="en-US" smtClean="0"/>
+              <a:rPr lang="ko-KR" altLang="en-US"/>
               <a:t>마스터 텍스트 스타일 편집</a:t>
             </a:r>
           </a:p>
@@ -3180,35 +3116,35 @@
           <a:p>
             <a:pPr lvl="0"/>
             <a:r>
-              <a:rPr lang="ko-KR" altLang="en-US" smtClean="0"/>
+              <a:rPr lang="ko-KR" altLang="en-US"/>
               <a:t>마스터 텍스트 스타일 편집</a:t>
             </a:r>
           </a:p>
           <a:p>
             <a:pPr lvl="1"/>
             <a:r>
-              <a:rPr lang="ko-KR" altLang="en-US" smtClean="0"/>
+              <a:rPr lang="ko-KR" altLang="en-US"/>
               <a:t>둘째 수준</a:t>
             </a:r>
           </a:p>
           <a:p>
             <a:pPr lvl="2"/>
             <a:r>
-              <a:rPr lang="ko-KR" altLang="en-US" smtClean="0"/>
+              <a:rPr lang="ko-KR" altLang="en-US"/>
               <a:t>셋째 수준</a:t>
             </a:r>
           </a:p>
           <a:p>
             <a:pPr lvl="3"/>
             <a:r>
-              <a:rPr lang="ko-KR" altLang="en-US" smtClean="0"/>
+              <a:rPr lang="ko-KR" altLang="en-US"/>
               <a:t>넷째 수준</a:t>
             </a:r>
           </a:p>
           <a:p>
             <a:pPr lvl="4"/>
             <a:r>
-              <a:rPr lang="ko-KR" altLang="en-US" smtClean="0"/>
+              <a:rPr lang="ko-KR" altLang="en-US"/>
               <a:t>다섯째 수준</a:t>
             </a:r>
             <a:endParaRPr lang="en-US" dirty="0"/>
@@ -3274,7 +3210,7 @@
           <a:p>
             <a:pPr lvl="0"/>
             <a:r>
-              <a:rPr lang="ko-KR" altLang="en-US" smtClean="0"/>
+              <a:rPr lang="ko-KR" altLang="en-US"/>
               <a:t>마스터 텍스트 스타일 편집</a:t>
             </a:r>
           </a:p>
@@ -3302,35 +3238,35 @@
           <a:p>
             <a:pPr lvl="0"/>
             <a:r>
-              <a:rPr lang="ko-KR" altLang="en-US" smtClean="0"/>
+              <a:rPr lang="ko-KR" altLang="en-US"/>
               <a:t>마스터 텍스트 스타일 편집</a:t>
             </a:r>
           </a:p>
           <a:p>
             <a:pPr lvl="1"/>
             <a:r>
-              <a:rPr lang="ko-KR" altLang="en-US" smtClean="0"/>
+              <a:rPr lang="ko-KR" altLang="en-US"/>
               <a:t>둘째 수준</a:t>
             </a:r>
           </a:p>
           <a:p>
             <a:pPr lvl="2"/>
             <a:r>
-              <a:rPr lang="ko-KR" altLang="en-US" smtClean="0"/>
+              <a:rPr lang="ko-KR" altLang="en-US"/>
               <a:t>셋째 수준</a:t>
             </a:r>
           </a:p>
           <a:p>
             <a:pPr lvl="3"/>
             <a:r>
-              <a:rPr lang="ko-KR" altLang="en-US" smtClean="0"/>
+              <a:rPr lang="ko-KR" altLang="en-US"/>
               <a:t>넷째 수준</a:t>
             </a:r>
           </a:p>
           <a:p>
             <a:pPr lvl="4"/>
             <a:r>
-              <a:rPr lang="ko-KR" altLang="en-US" smtClean="0"/>
+              <a:rPr lang="ko-KR" altLang="en-US"/>
               <a:t>다섯째 수준</a:t>
             </a:r>
             <a:endParaRPr lang="en-US" dirty="0"/>
@@ -3354,7 +3290,7 @@
           <a:p>
             <a:fld id="{C764DE79-268F-4C1A-8933-263129D2AF90}" type="datetimeFigureOut">
               <a:rPr lang="en-US" dirty="0"/>
-              <a:t>11/6/2019</a:t>
+              <a:t>11/9/2019</a:t>
             </a:fld>
             <a:endParaRPr lang="en-US" dirty="0"/>
           </a:p>
@@ -3412,13 +3348,6 @@
   <p:clrMapOvr>
     <a:masterClrMapping/>
   </p:clrMapOvr>
-  <p:timing>
-    <p:tnLst>
-      <p:par>
-        <p:cTn id="1" dur="indefinite" restart="never" nodeType="tmRoot"/>
-      </p:par>
-    </p:tnLst>
-  </p:timing>
   <p:hf hdr="0" dt="0"/>
 </p:sldLayout>
 </file>
@@ -3456,7 +3385,7 @@
           <a:lstStyle/>
           <a:p>
             <a:r>
-              <a:rPr lang="ko-KR" altLang="en-US" smtClean="0"/>
+              <a:rPr lang="ko-KR" altLang="en-US"/>
               <a:t>마스터 제목 스타일 편집</a:t>
             </a:r>
             <a:endParaRPr lang="en-US" dirty="0"/>
@@ -3480,7 +3409,7 @@
           <a:p>
             <a:fld id="{C764DE79-268F-4C1A-8933-263129D2AF90}" type="datetimeFigureOut">
               <a:rPr lang="en-US" dirty="0"/>
-              <a:t>11/6/2019</a:t>
+              <a:t>11/9/2019</a:t>
             </a:fld>
             <a:endParaRPr lang="en-US" dirty="0"/>
           </a:p>
@@ -3538,13 +3467,6 @@
   <p:clrMapOvr>
     <a:masterClrMapping/>
   </p:clrMapOvr>
-  <p:timing>
-    <p:tnLst>
-      <p:par>
-        <p:cTn id="1" dur="indefinite" restart="never" nodeType="tmRoot"/>
-      </p:par>
-    </p:tnLst>
-  </p:timing>
   <p:hf hdr="0" dt="0"/>
 </p:sldLayout>
 </file>
@@ -3583,7 +3505,7 @@
           <a:p>
             <a:fld id="{C764DE79-268F-4C1A-8933-263129D2AF90}" type="datetimeFigureOut">
               <a:rPr lang="en-US" dirty="0"/>
-              <a:t>11/6/2019</a:t>
+              <a:t>11/9/2019</a:t>
             </a:fld>
             <a:endParaRPr lang="en-US" dirty="0"/>
           </a:p>
@@ -3641,13 +3563,6 @@
   <p:clrMapOvr>
     <a:masterClrMapping/>
   </p:clrMapOvr>
-  <p:timing>
-    <p:tnLst>
-      <p:par>
-        <p:cTn id="1" dur="indefinite" restart="never" nodeType="tmRoot"/>
-      </p:par>
-    </p:tnLst>
-  </p:timing>
   <p:hf hdr="0" dt="0"/>
 </p:sldLayout>
 </file>
@@ -3694,7 +3609,7 @@
           </a:lstStyle>
           <a:p>
             <a:r>
-              <a:rPr lang="ko-KR" altLang="en-US" smtClean="0"/>
+              <a:rPr lang="ko-KR" altLang="en-US"/>
               <a:t>마스터 제목 스타일 편집</a:t>
             </a:r>
             <a:endParaRPr lang="en-US" dirty="0"/>
@@ -3751,35 +3666,35 @@
           <a:p>
             <a:pPr lvl="0"/>
             <a:r>
-              <a:rPr lang="ko-KR" altLang="en-US" smtClean="0"/>
+              <a:rPr lang="ko-KR" altLang="en-US"/>
               <a:t>마스터 텍스트 스타일 편집</a:t>
             </a:r>
           </a:p>
           <a:p>
             <a:pPr lvl="1"/>
             <a:r>
-              <a:rPr lang="ko-KR" altLang="en-US" smtClean="0"/>
+              <a:rPr lang="ko-KR" altLang="en-US"/>
               <a:t>둘째 수준</a:t>
             </a:r>
           </a:p>
           <a:p>
             <a:pPr lvl="2"/>
             <a:r>
-              <a:rPr lang="ko-KR" altLang="en-US" smtClean="0"/>
+              <a:rPr lang="ko-KR" altLang="en-US"/>
               <a:t>셋째 수준</a:t>
             </a:r>
           </a:p>
           <a:p>
             <a:pPr lvl="3"/>
             <a:r>
-              <a:rPr lang="ko-KR" altLang="en-US" smtClean="0"/>
+              <a:rPr lang="ko-KR" altLang="en-US"/>
               <a:t>넷째 수준</a:t>
             </a:r>
           </a:p>
           <a:p>
             <a:pPr lvl="4"/>
             <a:r>
-              <a:rPr lang="ko-KR" altLang="en-US" smtClean="0"/>
+              <a:rPr lang="ko-KR" altLang="en-US"/>
               <a:t>다섯째 수준</a:t>
             </a:r>
             <a:endParaRPr lang="en-US" dirty="0"/>
@@ -3845,7 +3760,7 @@
           <a:p>
             <a:pPr lvl="0"/>
             <a:r>
-              <a:rPr lang="ko-KR" altLang="en-US" smtClean="0"/>
+              <a:rPr lang="ko-KR" altLang="en-US"/>
               <a:t>마스터 텍스트 스타일 편집</a:t>
             </a:r>
           </a:p>
@@ -3868,7 +3783,7 @@
           <a:p>
             <a:fld id="{C764DE79-268F-4C1A-8933-263129D2AF90}" type="datetimeFigureOut">
               <a:rPr lang="en-US" dirty="0"/>
-              <a:t>11/6/2019</a:t>
+              <a:t>11/9/2019</a:t>
             </a:fld>
             <a:endParaRPr lang="en-US" dirty="0"/>
           </a:p>
@@ -3926,13 +3841,6 @@
   <p:clrMapOvr>
     <a:masterClrMapping/>
   </p:clrMapOvr>
-  <p:timing>
-    <p:tnLst>
-      <p:par>
-        <p:cTn id="1" dur="indefinite" restart="never" nodeType="tmRoot"/>
-      </p:par>
-    </p:tnLst>
-  </p:timing>
   <p:hf hdr="0" dt="0"/>
 </p:sldLayout>
 </file>
@@ -3979,7 +3887,7 @@
           </a:lstStyle>
           <a:p>
             <a:r>
-              <a:rPr lang="ko-KR" altLang="en-US" smtClean="0"/>
+              <a:rPr lang="ko-KR" altLang="en-US"/>
               <a:t>마스터 제목 스타일 편집</a:t>
             </a:r>
             <a:endParaRPr lang="en-US" dirty="0"/>
@@ -4044,7 +3952,7 @@
           </a:lstStyle>
           <a:p>
             <a:r>
-              <a:rPr lang="ko-KR" altLang="en-US" smtClean="0"/>
+              <a:rPr lang="ko-KR" altLang="en-US"/>
               <a:t>그림을 추가하려면 아이콘을 클릭하십시오</a:t>
             </a:r>
             <a:endParaRPr lang="en-US" dirty="0"/>
@@ -4110,7 +4018,7 @@
           <a:p>
             <a:pPr lvl="0"/>
             <a:r>
-              <a:rPr lang="ko-KR" altLang="en-US" smtClean="0"/>
+              <a:rPr lang="ko-KR" altLang="en-US"/>
               <a:t>마스터 텍스트 스타일 편집</a:t>
             </a:r>
           </a:p>
@@ -4133,7 +4041,7 @@
           <a:p>
             <a:fld id="{C764DE79-268F-4C1A-8933-263129D2AF90}" type="datetimeFigureOut">
               <a:rPr lang="en-US" dirty="0"/>
-              <a:t>11/6/2019</a:t>
+              <a:t>11/9/2019</a:t>
             </a:fld>
             <a:endParaRPr lang="en-US" dirty="0"/>
           </a:p>
@@ -4191,13 +4099,6 @@
   <p:clrMapOvr>
     <a:masterClrMapping/>
   </p:clrMapOvr>
-  <p:timing>
-    <p:tnLst>
-      <p:par>
-        <p:cTn id="1" dur="indefinite" restart="never" nodeType="tmRoot"/>
-      </p:par>
-    </p:tnLst>
-  </p:timing>
   <p:hf hdr="0" dt="0"/>
 </p:sldLayout>
 </file>
@@ -4250,7 +4151,7 @@
           <a:lstStyle/>
           <a:p>
             <a:r>
-              <a:rPr lang="ko-KR" altLang="en-US" dirty="0" smtClean="0"/>
+              <a:rPr lang="ko-KR" altLang="en-US" dirty="0"/>
               <a:t>마스터 제목 스타일 편집</a:t>
             </a:r>
             <a:endParaRPr lang="en-US" dirty="0"/>
@@ -4284,35 +4185,35 @@
           <a:p>
             <a:pPr lvl="0"/>
             <a:r>
-              <a:rPr lang="ko-KR" altLang="en-US" smtClean="0"/>
+              <a:rPr lang="ko-KR" altLang="en-US"/>
               <a:t>마스터 텍스트 스타일 편집</a:t>
             </a:r>
           </a:p>
           <a:p>
             <a:pPr lvl="1"/>
             <a:r>
-              <a:rPr lang="ko-KR" altLang="en-US" smtClean="0"/>
+              <a:rPr lang="ko-KR" altLang="en-US"/>
               <a:t>둘째 수준</a:t>
             </a:r>
           </a:p>
           <a:p>
             <a:pPr lvl="2"/>
             <a:r>
-              <a:rPr lang="ko-KR" altLang="en-US" smtClean="0"/>
+              <a:rPr lang="ko-KR" altLang="en-US"/>
               <a:t>셋째 수준</a:t>
             </a:r>
           </a:p>
           <a:p>
             <a:pPr lvl="3"/>
             <a:r>
-              <a:rPr lang="ko-KR" altLang="en-US" smtClean="0"/>
+              <a:rPr lang="ko-KR" altLang="en-US"/>
               <a:t>넷째 수준</a:t>
             </a:r>
           </a:p>
           <a:p>
             <a:pPr lvl="4"/>
             <a:r>
-              <a:rPr lang="ko-KR" altLang="en-US" smtClean="0"/>
+              <a:rPr lang="ko-KR" altLang="en-US"/>
               <a:t>다섯째 수준</a:t>
             </a:r>
             <a:endParaRPr lang="en-US" dirty="0"/>
@@ -4354,7 +4255,7 @@
           <a:p>
             <a:fld id="{C764DE79-268F-4C1A-8933-263129D2AF90}" type="datetimeFigureOut">
               <a:rPr lang="en-US" dirty="0"/>
-              <a:t>11/6/2019</a:t>
+              <a:t>11/9/2019</a:t>
             </a:fld>
             <a:endParaRPr lang="en-US" dirty="0"/>
           </a:p>
@@ -4623,7 +4524,7 @@
               <a:defRPr/>
             </a:pPr>
             <a:r>
-              <a:rPr lang="en-US" altLang="ko-KR" sz="675" dirty="0" smtClean="0">
+              <a:rPr lang="en-US" altLang="ko-KR" sz="675" dirty="0">
                 <a:solidFill>
                   <a:schemeClr val="bg1"/>
                 </a:solidFill>
@@ -4631,7 +4532,7 @@
               <a:t>        © </a:t>
             </a:r>
             <a:r>
-              <a:rPr lang="en-US" altLang="ko-KR" sz="675" dirty="0" err="1" smtClean="0">
+              <a:rPr lang="en-US" altLang="ko-KR" sz="675" dirty="0" err="1">
                 <a:solidFill>
                   <a:schemeClr val="bg1"/>
                 </a:solidFill>
@@ -4639,7 +4540,7 @@
               <a:t>Smilegate</a:t>
             </a:r>
             <a:r>
-              <a:rPr lang="en-US" altLang="ko-KR" sz="675" dirty="0" smtClean="0">
+              <a:rPr lang="en-US" altLang="ko-KR" sz="675" dirty="0">
                 <a:solidFill>
                   <a:schemeClr val="bg1"/>
                 </a:solidFill>
@@ -4647,7 +4548,7 @@
               <a:t> </a:t>
             </a:r>
             <a:r>
-              <a:rPr lang="en-US" altLang="ko-KR" sz="675" dirty="0" err="1" smtClean="0">
+              <a:rPr lang="en-US" altLang="ko-KR" sz="675" dirty="0" err="1">
                 <a:solidFill>
                   <a:schemeClr val="bg1"/>
                 </a:solidFill>
@@ -4655,7 +4556,7 @@
               <a:t>Megaport</a:t>
             </a:r>
             <a:r>
-              <a:rPr lang="en-US" altLang="ko-KR" sz="675" dirty="0" smtClean="0">
+              <a:rPr lang="en-US" altLang="ko-KR" sz="675" dirty="0">
                 <a:solidFill>
                   <a:schemeClr val="bg1"/>
                 </a:solidFill>
@@ -4867,13 +4768,6 @@
     <p:sldLayoutId id="2147483652" r:id="rId14"/>
     <p:sldLayoutId id="2147483651" r:id="rId15"/>
   </p:sldLayoutIdLst>
-  <p:timing>
-    <p:tnLst>
-      <p:par>
-        <p:cTn id="1" dur="indefinite" restart="never" nodeType="tmRoot"/>
-      </p:par>
-    </p:tnLst>
-  </p:timing>
   <p:hf hdr="0" dt="0"/>
   <p:txStyles>
     <p:titleStyle>
@@ -5407,13 +5301,6 @@
   <p:clrMapOvr>
     <a:masterClrMapping/>
   </p:clrMapOvr>
-  <p:timing>
-    <p:tnLst>
-      <p:par>
-        <p:cTn id="1" dur="indefinite" restart="never" nodeType="tmRoot"/>
-      </p:par>
-    </p:tnLst>
-  </p:timing>
 </p:sld>
 </file>
 
@@ -5486,21 +5373,6 @@
               </a:rPr>
               <a:t>1</a:t>
             </a:r>
-            <a:endParaRPr kumimoji="1" lang="en-US" altLang="ko-KR" sz="14925" b="1" dirty="0">
-              <a:ln>
-                <a:solidFill>
-                  <a:schemeClr val="bg1">
-                    <a:lumMod val="85000"/>
-                    <a:alpha val="0"/>
-                  </a:schemeClr>
-                </a:solidFill>
-              </a:ln>
-              <a:solidFill>
-                <a:srgbClr val="55CFD1"/>
-              </a:solidFill>
-              <a:latin typeface="맑은 고딕" pitchFamily="50" charset="-127"/>
-              <a:cs typeface="Arial" panose="020B0604020202020204" pitchFamily="34" charset="0"/>
-            </a:endParaRPr>
           </a:p>
         </p:txBody>
       </p:sp>
@@ -5539,7 +5411,7 @@
               <a:defRPr/>
             </a:pPr>
             <a:r>
-              <a:rPr kumimoji="1" lang="ko-KR" altLang="en-US" sz="2400" b="1" dirty="0" smtClean="0">
+              <a:rPr kumimoji="1" lang="ko-KR" altLang="en-US" sz="2400" b="1" dirty="0">
                 <a:ln>
                   <a:solidFill>
                     <a:schemeClr val="bg1">
@@ -5609,7 +5481,7 @@
               <a:defRPr/>
             </a:pPr>
             <a:r>
-              <a:rPr kumimoji="1" lang="en-US" altLang="ko-KR" sz="1050" dirty="0" err="1" smtClean="0">
+              <a:rPr kumimoji="1" lang="en-US" altLang="ko-KR" sz="1050" dirty="0" err="1">
                 <a:ln>
                   <a:solidFill>
                     <a:schemeClr val="bg1">
@@ -5627,7 +5499,7 @@
               <a:t>GithubDataFile</a:t>
             </a:r>
             <a:r>
-              <a:rPr kumimoji="1" lang="en-US" altLang="ko-KR" sz="1050" dirty="0" smtClean="0">
+              <a:rPr kumimoji="1" lang="en-US" altLang="ko-KR" sz="1050" dirty="0">
                 <a:ln>
                   <a:solidFill>
                     <a:schemeClr val="bg1">
@@ -5645,7 +5517,7 @@
               <a:t> </a:t>
             </a:r>
             <a:r>
-              <a:rPr kumimoji="1" lang="ko-KR" altLang="en-US" sz="1050" dirty="0" smtClean="0">
+              <a:rPr kumimoji="1" lang="ko-KR" altLang="en-US" sz="1050" dirty="0">
                 <a:ln>
                   <a:solidFill>
                     <a:schemeClr val="bg1">
@@ -5690,13 +5562,6 @@
   <p:clrMapOvr>
     <a:masterClrMapping/>
   </p:clrMapOvr>
-  <p:timing>
-    <p:tnLst>
-      <p:par>
-        <p:cTn id="1" dur="indefinite" restart="never" nodeType="tmRoot"/>
-      </p:par>
-    </p:tnLst>
-  </p:timing>
 </p:sld>
 </file>
 
@@ -5823,7 +5688,7 @@
                   <a:defRPr/>
                 </a:pPr>
                 <a:r>
-                  <a:rPr kumimoji="1" lang="ko-KR" altLang="en-US" b="1" dirty="0" smtClean="0">
+                  <a:rPr kumimoji="1" lang="ko-KR" altLang="en-US" b="1" dirty="0">
                     <a:ln>
                       <a:solidFill>
                         <a:schemeClr val="bg1">
@@ -5958,7 +5823,7 @@
                 <a:defRPr/>
               </a:pPr>
               <a:r>
-                <a:rPr kumimoji="1" lang="en-US" altLang="ko-KR" b="1" dirty="0" smtClean="0">
+                <a:rPr kumimoji="1" lang="en-US" altLang="ko-KR" b="1" dirty="0">
                   <a:ln>
                     <a:solidFill>
                       <a:schemeClr val="bg1">
@@ -5976,22 +5841,6 @@
                 </a:rPr>
                 <a:t>01</a:t>
               </a:r>
-              <a:endParaRPr kumimoji="1" lang="en-US" altLang="ko-KR" b="1" dirty="0">
-                <a:ln>
-                  <a:solidFill>
-                    <a:schemeClr val="bg1">
-                      <a:lumMod val="85000"/>
-                      <a:alpha val="0"/>
-                    </a:schemeClr>
-                  </a:solidFill>
-                </a:ln>
-                <a:solidFill>
-                  <a:schemeClr val="bg1"/>
-                </a:solidFill>
-                <a:latin typeface="맑은 고딕" pitchFamily="50" charset="-127"/>
-                <a:ea typeface="맑은 고딕" pitchFamily="50" charset="-127"/>
-                <a:cs typeface="Arial" panose="020B0604020202020204" pitchFamily="34" charset="0"/>
-              </a:endParaRPr>
             </a:p>
           </p:txBody>
         </p:sp>
@@ -6039,7 +5888,7 @@
           <a:p>
             <a:pPr algn="ctr"/>
             <a:r>
-              <a:rPr lang="ko-KR" altLang="en-US" sz="800" b="1" dirty="0" smtClean="0">
+              <a:rPr lang="ko-KR" altLang="en-US" sz="800" b="1" dirty="0">
                 <a:ln>
                   <a:solidFill>
                     <a:schemeClr val="accent1">
@@ -6054,7 +5903,7 @@
               <a:t>사용</a:t>
             </a:r>
             <a:r>
-              <a:rPr lang="en-US" altLang="ko-KR" sz="800" b="1" dirty="0" smtClean="0">
+              <a:rPr lang="en-US" altLang="ko-KR" sz="800" b="1" dirty="0">
                 <a:ln>
                   <a:solidFill>
                     <a:schemeClr val="accent1">
@@ -6069,7 +5918,7 @@
               <a:t> </a:t>
             </a:r>
             <a:r>
-              <a:rPr lang="ko-KR" altLang="en-US" sz="800" b="1" dirty="0" smtClean="0">
+              <a:rPr lang="ko-KR" altLang="en-US" sz="800" b="1" dirty="0">
                 <a:ln>
                   <a:solidFill>
                     <a:schemeClr val="accent1">
@@ -6083,18 +5932,6 @@
               </a:rPr>
               <a:t>언어</a:t>
             </a:r>
-            <a:endParaRPr lang="ko-KR" altLang="en-US" sz="800" b="1" dirty="0">
-              <a:ln>
-                <a:solidFill>
-                  <a:schemeClr val="accent1">
-                    <a:alpha val="0"/>
-                  </a:schemeClr>
-                </a:solidFill>
-              </a:ln>
-              <a:solidFill>
-                <a:schemeClr val="bg1"/>
-              </a:solidFill>
-            </a:endParaRPr>
           </a:p>
         </p:txBody>
       </p:sp>
@@ -6130,7 +5967,7 @@
               <a:defRPr/>
             </a:pPr>
             <a:r>
-              <a:rPr kumimoji="1" lang="en-US" altLang="ko-KR" sz="825" b="1" dirty="0" smtClean="0">
+              <a:rPr kumimoji="1" lang="en-US" altLang="ko-KR" sz="825" b="1" dirty="0">
                 <a:ln>
                   <a:solidFill>
                     <a:schemeClr val="bg1">
@@ -6147,21 +5984,6 @@
               </a:rPr>
               <a:t>JAVA</a:t>
             </a:r>
-            <a:endParaRPr kumimoji="1" lang="en-US" altLang="ko-KR" sz="825" b="1" dirty="0">
-              <a:ln>
-                <a:solidFill>
-                  <a:schemeClr val="bg1">
-                    <a:lumMod val="85000"/>
-                    <a:alpha val="0"/>
-                  </a:schemeClr>
-                </a:solidFill>
-              </a:ln>
-              <a:solidFill>
-                <a:srgbClr val="4B465E"/>
-              </a:solidFill>
-              <a:latin typeface="맑은 고딕" pitchFamily="50" charset="-127"/>
-              <a:cs typeface="Arial" panose="020B0604020202020204" pitchFamily="34" charset="0"/>
-            </a:endParaRPr>
           </a:p>
         </p:txBody>
       </p:sp>
@@ -6208,7 +6030,7 @@
           <a:p>
             <a:pPr algn="ctr"/>
             <a:r>
-              <a:rPr lang="en-US" altLang="ko-KR" sz="700" b="1" dirty="0" smtClean="0">
+              <a:rPr lang="en-US" altLang="ko-KR" sz="700" b="1" dirty="0">
                 <a:ln>
                   <a:solidFill>
                     <a:schemeClr val="accent1">
@@ -6223,7 +6045,7 @@
               <a:t>JAVA </a:t>
             </a:r>
             <a:r>
-              <a:rPr lang="ko-KR" altLang="en-US" sz="700" b="1" dirty="0" smtClean="0">
+              <a:rPr lang="ko-KR" altLang="en-US" sz="700" b="1" dirty="0">
                 <a:ln>
                   <a:solidFill>
                     <a:schemeClr val="accent1">
@@ -6237,18 +6059,6 @@
               </a:rPr>
               <a:t>버전</a:t>
             </a:r>
-            <a:endParaRPr lang="ko-KR" altLang="en-US" sz="700" b="1" dirty="0">
-              <a:ln>
-                <a:solidFill>
-                  <a:schemeClr val="accent1">
-                    <a:alpha val="0"/>
-                  </a:schemeClr>
-                </a:solidFill>
-              </a:ln>
-              <a:solidFill>
-                <a:schemeClr val="bg1"/>
-              </a:solidFill>
-            </a:endParaRPr>
           </a:p>
         </p:txBody>
       </p:sp>
@@ -6284,7 +6094,7 @@
               <a:defRPr/>
             </a:pPr>
             <a:r>
-              <a:rPr kumimoji="1" lang="en-US" altLang="ko-KR" sz="825" b="1" dirty="0" smtClean="0">
+              <a:rPr kumimoji="1" lang="en-US" altLang="ko-KR" sz="825" b="1" dirty="0">
                 <a:ln>
                   <a:solidFill>
                     <a:schemeClr val="bg1">
@@ -6301,21 +6111,6 @@
               </a:rPr>
               <a:t>Java SE 7</a:t>
             </a:r>
-            <a:endParaRPr kumimoji="1" lang="en-US" altLang="ko-KR" sz="825" b="1" dirty="0">
-              <a:ln>
-                <a:solidFill>
-                  <a:schemeClr val="bg1">
-                    <a:lumMod val="85000"/>
-                    <a:alpha val="0"/>
-                  </a:schemeClr>
-                </a:solidFill>
-              </a:ln>
-              <a:solidFill>
-                <a:srgbClr val="4B465E"/>
-              </a:solidFill>
-              <a:latin typeface="맑은 고딕" pitchFamily="50" charset="-127"/>
-              <a:cs typeface="Arial" panose="020B0604020202020204" pitchFamily="34" charset="0"/>
-            </a:endParaRPr>
           </a:p>
         </p:txBody>
       </p:sp>
@@ -6362,7 +6157,7 @@
           <a:p>
             <a:pPr algn="ctr"/>
             <a:r>
-              <a:rPr lang="ko-KR" altLang="en-US" sz="800" b="1" smtClean="0">
+              <a:rPr lang="ko-KR" altLang="en-US" sz="800" b="1">
                 <a:ln>
                   <a:solidFill>
                     <a:schemeClr val="accent1">
@@ -6423,7 +6218,7 @@
               <a:defRPr/>
             </a:pPr>
             <a:r>
-              <a:rPr kumimoji="1" lang="ko-KR" altLang="en-US" sz="825" b="1" dirty="0" smtClean="0">
+              <a:rPr kumimoji="1" lang="ko-KR" altLang="en-US" sz="825" b="1" dirty="0">
                 <a:ln>
                   <a:solidFill>
                     <a:schemeClr val="bg1">
@@ -6501,7 +6296,7 @@
           <a:p>
             <a:pPr algn="ctr"/>
             <a:r>
-              <a:rPr lang="ko-KR" altLang="en-US" sz="800" b="1" dirty="0" smtClean="0">
+              <a:rPr lang="ko-KR" altLang="en-US" sz="800" b="1" dirty="0">
                 <a:ln>
                   <a:solidFill>
                     <a:schemeClr val="accent1">
@@ -6515,18 +6310,6 @@
               </a:rPr>
               <a:t>옵션</a:t>
             </a:r>
-            <a:endParaRPr lang="ko-KR" altLang="en-US" sz="800" b="1" dirty="0">
-              <a:ln>
-                <a:solidFill>
-                  <a:schemeClr val="accent1">
-                    <a:alpha val="0"/>
-                  </a:schemeClr>
-                </a:solidFill>
-              </a:ln>
-              <a:solidFill>
-                <a:schemeClr val="bg1"/>
-              </a:solidFill>
-            </a:endParaRPr>
           </a:p>
         </p:txBody>
       </p:sp>
@@ -6562,7 +6345,7 @@
               <a:defRPr/>
             </a:pPr>
             <a:r>
-              <a:rPr kumimoji="1" lang="en-US" altLang="ko-KR" sz="825" b="1" dirty="0" smtClean="0">
+              <a:rPr kumimoji="1" lang="en-US" altLang="ko-KR" sz="825" b="1" dirty="0">
                 <a:ln>
                   <a:solidFill>
                     <a:schemeClr val="bg1">
@@ -6580,7 +6363,7 @@
               <a:t>-f, -help(</a:t>
             </a:r>
             <a:r>
-              <a:rPr kumimoji="1" lang="ko-KR" altLang="en-US" sz="825" b="1" dirty="0" smtClean="0">
+              <a:rPr kumimoji="1" lang="ko-KR" altLang="en-US" sz="825" b="1" dirty="0">
                 <a:ln>
                   <a:solidFill>
                     <a:schemeClr val="bg1">
@@ -6598,7 +6381,7 @@
               <a:t>또는 </a:t>
             </a:r>
             <a:r>
-              <a:rPr kumimoji="1" lang="en-US" altLang="ko-KR" sz="825" b="1" dirty="0" smtClean="0">
+              <a:rPr kumimoji="1" lang="en-US" altLang="ko-KR" sz="825" b="1" dirty="0">
                 <a:ln>
                   <a:solidFill>
                     <a:schemeClr val="bg1">
@@ -6615,21 +6398,6 @@
               </a:rPr>
               <a:t>-?)</a:t>
             </a:r>
-            <a:endParaRPr kumimoji="1" lang="en-US" altLang="ko-KR" sz="825" b="1" dirty="0">
-              <a:ln>
-                <a:solidFill>
-                  <a:schemeClr val="bg1">
-                    <a:lumMod val="85000"/>
-                    <a:alpha val="0"/>
-                  </a:schemeClr>
-                </a:solidFill>
-              </a:ln>
-              <a:solidFill>
-                <a:srgbClr val="4B465E"/>
-              </a:solidFill>
-              <a:latin typeface="맑은 고딕" pitchFamily="50" charset="-127"/>
-              <a:cs typeface="Arial" panose="020B0604020202020204" pitchFamily="34" charset="0"/>
-            </a:endParaRPr>
           </a:p>
         </p:txBody>
       </p:sp>
@@ -6676,7 +6444,7 @@
           <a:p>
             <a:pPr algn="ctr"/>
             <a:r>
-              <a:rPr lang="ko-KR" altLang="en-US" sz="825" b="1" dirty="0" smtClean="0">
+              <a:rPr lang="ko-KR" altLang="en-US" sz="825" b="1" dirty="0">
                 <a:ln>
                   <a:solidFill>
                     <a:schemeClr val="accent1">
@@ -6690,18 +6458,6 @@
               </a:rPr>
               <a:t>내용</a:t>
             </a:r>
-            <a:endParaRPr lang="ko-KR" altLang="en-US" sz="825" b="1" dirty="0">
-              <a:ln>
-                <a:solidFill>
-                  <a:schemeClr val="accent1">
-                    <a:alpha val="0"/>
-                  </a:schemeClr>
-                </a:solidFill>
-              </a:ln>
-              <a:solidFill>
-                <a:schemeClr val="bg1"/>
-              </a:solidFill>
-            </a:endParaRPr>
           </a:p>
         </p:txBody>
       </p:sp>
@@ -6714,7 +6470,7 @@
         <p:spPr>
           <a:xfrm>
             <a:off x="5831986" y="3205474"/>
-            <a:ext cx="2807098" cy="1359807"/>
+            <a:ext cx="2807098" cy="1666429"/>
           </a:xfrm>
           <a:prstGeom prst="rect">
             <a:avLst/>
@@ -6739,7 +6495,7 @@
               <a:defRPr/>
             </a:pPr>
             <a:r>
-              <a:rPr kumimoji="1" lang="en-US" altLang="ko-KR" sz="788" dirty="0" err="1" smtClean="0">
+              <a:rPr kumimoji="1" lang="en-US" altLang="ko-KR" sz="788" dirty="0" err="1">
                 <a:ln>
                   <a:solidFill>
                     <a:schemeClr val="bg1">
@@ -6757,7 +6513,7 @@
               <a:t>Github</a:t>
             </a:r>
             <a:r>
-              <a:rPr kumimoji="1" lang="ko-KR" altLang="en-US" sz="788" dirty="0" smtClean="0">
+              <a:rPr kumimoji="1" lang="ko-KR" altLang="en-US" sz="788" dirty="0">
                 <a:ln>
                   <a:solidFill>
                     <a:schemeClr val="bg1">
@@ -6775,7 +6531,7 @@
               <a:t>에서 제공되는 </a:t>
             </a:r>
             <a:r>
-              <a:rPr kumimoji="1" lang="en-US" altLang="ko-KR" sz="788" dirty="0" smtClean="0">
+              <a:rPr kumimoji="1" lang="en-US" altLang="ko-KR" sz="788" dirty="0">
                 <a:ln>
                   <a:solidFill>
                     <a:schemeClr val="bg1">
@@ -6793,7 +6549,7 @@
               <a:t>API</a:t>
             </a:r>
             <a:r>
-              <a:rPr kumimoji="1" lang="ko-KR" altLang="en-US" sz="788" dirty="0" smtClean="0">
+              <a:rPr kumimoji="1" lang="ko-KR" altLang="en-US" sz="788" dirty="0">
                 <a:ln>
                   <a:solidFill>
                     <a:schemeClr val="bg1">
@@ -6811,7 +6567,7 @@
               <a:t>를</a:t>
             </a:r>
             <a:r>
-              <a:rPr kumimoji="1" lang="en-US" altLang="ko-KR" sz="788" dirty="0" smtClean="0">
+              <a:rPr kumimoji="1" lang="en-US" altLang="ko-KR" sz="788" dirty="0">
                 <a:ln>
                   <a:solidFill>
                     <a:schemeClr val="bg1">
@@ -6829,7 +6585,7 @@
               <a:t> </a:t>
             </a:r>
             <a:r>
-              <a:rPr kumimoji="1" lang="ko-KR" altLang="en-US" sz="788" dirty="0" smtClean="0">
+              <a:rPr kumimoji="1" lang="ko-KR" altLang="en-US" sz="788" dirty="0">
                 <a:ln>
                   <a:solidFill>
                     <a:schemeClr val="bg1">
@@ -6847,7 +6603,7 @@
               <a:t>사용하여 만들어졌습니다</a:t>
             </a:r>
             <a:r>
-              <a:rPr kumimoji="1" lang="en-US" altLang="ko-KR" sz="788" dirty="0" smtClean="0">
+              <a:rPr kumimoji="1" lang="en-US" altLang="ko-KR" sz="788" dirty="0">
                 <a:ln>
                   <a:solidFill>
                     <a:schemeClr val="bg1">
@@ -6878,7 +6634,7 @@
               <a:defRPr/>
             </a:pPr>
             <a:r>
-              <a:rPr kumimoji="1" lang="ko-KR" altLang="en-US" sz="788" dirty="0" smtClean="0">
+              <a:rPr kumimoji="1" lang="ko-KR" altLang="en-US" sz="788" dirty="0">
                 <a:ln>
                   <a:solidFill>
                     <a:schemeClr val="bg1">
@@ -6896,7 +6652,7 @@
               <a:t>사용된 언어는 </a:t>
             </a:r>
             <a:r>
-              <a:rPr kumimoji="1" lang="en-US" altLang="ko-KR" sz="788" dirty="0" smtClean="0">
+              <a:rPr kumimoji="1" lang="en-US" altLang="ko-KR" sz="788" dirty="0">
                 <a:ln>
                   <a:solidFill>
                     <a:schemeClr val="bg1">
@@ -6914,7 +6670,7 @@
               <a:t>Java</a:t>
             </a:r>
             <a:r>
-              <a:rPr kumimoji="1" lang="ko-KR" altLang="en-US" sz="788" dirty="0" smtClean="0">
+              <a:rPr kumimoji="1" lang="ko-KR" altLang="en-US" sz="788" dirty="0">
                 <a:ln>
                   <a:solidFill>
                     <a:schemeClr val="bg1">
@@ -6932,7 +6688,7 @@
               <a:t>입니다</a:t>
             </a:r>
             <a:r>
-              <a:rPr kumimoji="1" lang="en-US" altLang="ko-KR" sz="788" dirty="0" smtClean="0">
+              <a:rPr kumimoji="1" lang="en-US" altLang="ko-KR" sz="788" dirty="0">
                 <a:ln>
                   <a:solidFill>
                     <a:schemeClr val="bg1">
@@ -6963,7 +6719,7 @@
               <a:defRPr/>
             </a:pPr>
             <a:r>
-              <a:rPr kumimoji="1" lang="ko-KR" altLang="en-US" sz="788" dirty="0" smtClean="0">
+              <a:rPr kumimoji="1" lang="ko-KR" altLang="en-US" sz="788" dirty="0">
                 <a:ln>
                   <a:solidFill>
                     <a:schemeClr val="bg1">
@@ -6981,7 +6737,7 @@
               <a:t>아이디를 직접 입력하거나 파일을 이용하여 사용 가능합니다</a:t>
             </a:r>
             <a:r>
-              <a:rPr kumimoji="1" lang="en-US" altLang="ko-KR" sz="788" dirty="0" smtClean="0">
+              <a:rPr kumimoji="1" lang="en-US" altLang="ko-KR" sz="788" dirty="0">
                 <a:ln>
                   <a:solidFill>
                     <a:schemeClr val="bg1">
@@ -7012,7 +6768,7 @@
               <a:defRPr/>
             </a:pPr>
             <a:r>
-              <a:rPr kumimoji="1" lang="ko-KR" altLang="en-US" sz="788" dirty="0" smtClean="0">
+              <a:rPr kumimoji="1" lang="ko-KR" altLang="en-US" sz="788" dirty="0">
                 <a:ln>
                   <a:solidFill>
                     <a:schemeClr val="bg1">
@@ -7030,7 +6786,7 @@
               <a:t>파일로 입력 시 양식에 맞는 파일을 사용해야 됩니다</a:t>
             </a:r>
             <a:r>
-              <a:rPr kumimoji="1" lang="en-US" altLang="ko-KR" sz="788" dirty="0" smtClean="0">
+              <a:rPr kumimoji="1" lang="en-US" altLang="ko-KR" sz="788" dirty="0">
                 <a:ln>
                   <a:solidFill>
                     <a:schemeClr val="bg1">
@@ -7061,7 +6817,7 @@
               <a:defRPr/>
             </a:pPr>
             <a:r>
-              <a:rPr kumimoji="1" lang="en-US" altLang="ko-KR" sz="788" dirty="0" smtClean="0">
+              <a:rPr kumimoji="1" lang="en-US" altLang="ko-KR" sz="788" dirty="0">
                 <a:ln>
                   <a:solidFill>
                     <a:schemeClr val="bg1">
@@ -7079,7 +6835,7 @@
               <a:t>-f </a:t>
             </a:r>
             <a:r>
-              <a:rPr kumimoji="1" lang="ko-KR" altLang="en-US" sz="788" dirty="0" smtClean="0">
+              <a:rPr kumimoji="1" lang="ko-KR" altLang="en-US" sz="788" dirty="0">
                 <a:ln>
                   <a:solidFill>
                     <a:schemeClr val="bg1">
@@ -7097,7 +6853,7 @@
               <a:t>옵션은 아이디가 저장된 파일을 이용하여 사용할 때 사용합니다</a:t>
             </a:r>
             <a:r>
-              <a:rPr kumimoji="1" lang="en-US" altLang="ko-KR" sz="788" dirty="0" smtClean="0">
+              <a:rPr kumimoji="1" lang="en-US" altLang="ko-KR" sz="788" dirty="0">
                 <a:ln>
                   <a:solidFill>
                     <a:schemeClr val="bg1">
@@ -7128,7 +6884,7 @@
               <a:defRPr/>
             </a:pPr>
             <a:r>
-              <a:rPr kumimoji="1" lang="en-US" altLang="ko-KR" sz="788" dirty="0" smtClean="0">
+              <a:rPr kumimoji="1" lang="en-US" altLang="ko-KR" sz="788" dirty="0">
                 <a:ln>
                   <a:solidFill>
                     <a:schemeClr val="bg1">
@@ -7146,7 +6902,7 @@
               <a:t>-help(</a:t>
             </a:r>
             <a:r>
-              <a:rPr kumimoji="1" lang="ko-KR" altLang="en-US" sz="788" dirty="0" smtClean="0">
+              <a:rPr kumimoji="1" lang="ko-KR" altLang="en-US" sz="788" dirty="0">
                 <a:ln>
                   <a:solidFill>
                     <a:schemeClr val="bg1">
@@ -7164,7 +6920,7 @@
               <a:t>또는</a:t>
             </a:r>
             <a:r>
-              <a:rPr kumimoji="1" lang="en-US" altLang="ko-KR" sz="788" dirty="0" smtClean="0">
+              <a:rPr kumimoji="1" lang="en-US" altLang="ko-KR" sz="788" dirty="0">
                 <a:ln>
                   <a:solidFill>
                     <a:schemeClr val="bg1">
@@ -7182,7 +6938,7 @@
               <a:t> -?) </a:t>
             </a:r>
             <a:r>
-              <a:rPr kumimoji="1" lang="ko-KR" altLang="en-US" sz="788" dirty="0" smtClean="0">
+              <a:rPr kumimoji="1" lang="ko-KR" altLang="en-US" sz="788" dirty="0">
                 <a:ln>
                   <a:solidFill>
                     <a:schemeClr val="bg1">
@@ -7200,7 +6956,7 @@
               <a:t>옵션은 도움말을 출력합니다</a:t>
             </a:r>
             <a:r>
-              <a:rPr kumimoji="1" lang="en-US" altLang="ko-KR" sz="788" smtClean="0">
+              <a:rPr kumimoji="1" lang="en-US" altLang="ko-KR" sz="788" dirty="0">
                 <a:ln>
                   <a:solidFill>
                     <a:schemeClr val="bg1">
@@ -7217,21 +6973,91 @@
               </a:rPr>
               <a:t>.</a:t>
             </a:r>
-            <a:endParaRPr kumimoji="1" lang="en-US" altLang="ko-KR" sz="788" dirty="0" smtClean="0">
-              <a:ln>
-                <a:solidFill>
-                  <a:schemeClr val="bg1">
-                    <a:lumMod val="85000"/>
-                    <a:alpha val="0"/>
-                  </a:schemeClr>
-                </a:solidFill>
-              </a:ln>
-              <a:solidFill>
-                <a:srgbClr val="4B465E"/>
-              </a:solidFill>
-              <a:latin typeface="맑은 고딕" pitchFamily="50" charset="-127"/>
-              <a:cs typeface="Arial" panose="020B0604020202020204" pitchFamily="34" charset="0"/>
-            </a:endParaRPr>
+          </a:p>
+          <a:p>
+            <a:pPr marL="128588" indent="-128588" defTabSz="684610" fontAlgn="base">
+              <a:spcBef>
+                <a:spcPts val="450"/>
+              </a:spcBef>
+              <a:spcAft>
+                <a:spcPct val="0"/>
+              </a:spcAft>
+              <a:buFont typeface="Arial" panose="020B0604020202020204" pitchFamily="34" charset="0"/>
+              <a:buChar char="•"/>
+              <a:defRPr/>
+            </a:pPr>
+            <a:r>
+              <a:rPr kumimoji="1" lang="ko-KR" altLang="en-US" sz="788" dirty="0">
+                <a:ln>
+                  <a:solidFill>
+                    <a:schemeClr val="bg1">
+                      <a:lumMod val="85000"/>
+                      <a:alpha val="0"/>
+                    </a:schemeClr>
+                  </a:solidFill>
+                </a:ln>
+                <a:solidFill>
+                  <a:srgbClr val="4B465E"/>
+                </a:solidFill>
+                <a:latin typeface="맑은 고딕" pitchFamily="50" charset="-127"/>
+                <a:cs typeface="Arial" panose="020B0604020202020204" pitchFamily="34" charset="0"/>
+              </a:rPr>
+              <a:t>정보는 시간당 최대 </a:t>
+            </a:r>
+            <a:r>
+              <a:rPr kumimoji="1" lang="en-US" altLang="ko-KR" sz="788" dirty="0">
+                <a:ln>
+                  <a:solidFill>
+                    <a:schemeClr val="bg1">
+                      <a:lumMod val="85000"/>
+                      <a:alpha val="0"/>
+                    </a:schemeClr>
+                  </a:solidFill>
+                </a:ln>
+                <a:solidFill>
+                  <a:srgbClr val="4B465E"/>
+                </a:solidFill>
+                <a:latin typeface="맑은 고딕" pitchFamily="50" charset="-127"/>
+                <a:cs typeface="Arial" panose="020B0604020202020204" pitchFamily="34" charset="0"/>
+              </a:rPr>
+              <a:t>5000</a:t>
+            </a:r>
+            <a:r>
+              <a:rPr kumimoji="1" lang="ko-KR" altLang="en-US" sz="788" dirty="0">
+                <a:ln>
+                  <a:solidFill>
+                    <a:schemeClr val="bg1">
+                      <a:lumMod val="85000"/>
+                      <a:alpha val="0"/>
+                    </a:schemeClr>
+                  </a:solidFill>
+                </a:ln>
+                <a:solidFill>
+                  <a:srgbClr val="4B465E"/>
+                </a:solidFill>
+                <a:latin typeface="맑은 고딕" pitchFamily="50" charset="-127"/>
+                <a:cs typeface="Arial" panose="020B0604020202020204" pitchFamily="34" charset="0"/>
+              </a:rPr>
+              <a:t>개까지 가능하고 정각이 될 때마다 제한이 초기화 됩니다</a:t>
+            </a:r>
+            <a:r>
+              <a:rPr kumimoji="1" lang="en-US" altLang="ko-KR" sz="788" dirty="0">
+                <a:ln>
+                  <a:solidFill>
+                    <a:schemeClr val="bg1">
+                      <a:lumMod val="85000"/>
+                      <a:alpha val="0"/>
+                    </a:schemeClr>
+                  </a:solidFill>
+                </a:ln>
+                <a:solidFill>
+                  <a:srgbClr val="4B465E"/>
+                </a:solidFill>
+                <a:latin typeface="맑은 고딕" pitchFamily="50" charset="-127"/>
+                <a:cs typeface="Arial" panose="020B0604020202020204" pitchFamily="34" charset="0"/>
+              </a:rPr>
+              <a:t>.</a:t>
+            </a:r>
           </a:p>
         </p:txBody>
       </p:sp>
@@ -7267,7 +7093,7 @@
               <a:defRPr/>
             </a:pPr>
             <a:r>
-              <a:rPr kumimoji="1" lang="en-US" altLang="ko-KR" b="1" dirty="0" err="1" smtClean="0">
+              <a:rPr kumimoji="1" lang="en-US" altLang="ko-KR" b="1" dirty="0" err="1">
                 <a:ln>
                   <a:solidFill>
                     <a:schemeClr val="bg1">
@@ -7336,13 +7162,6 @@
   <p:clrMapOvr>
     <a:masterClrMapping/>
   </p:clrMapOvr>
-  <p:timing>
-    <p:tnLst>
-      <p:par>
-        <p:cTn id="1" dur="indefinite" restart="never" nodeType="tmRoot"/>
-      </p:par>
-    </p:tnLst>
-  </p:timing>
 </p:sld>
 </file>
 
@@ -7455,7 +7274,7 @@
                 <a:defRPr/>
               </a:pPr>
               <a:r>
-                <a:rPr kumimoji="1" lang="ko-KR" altLang="en-US" b="1" dirty="0" smtClean="0">
+                <a:rPr kumimoji="1" lang="ko-KR" altLang="en-US" b="1" dirty="0">
                   <a:ln>
                     <a:solidFill>
                       <a:schemeClr val="bg1">
@@ -7522,7 +7341,7 @@
                 <a:defRPr/>
               </a:pPr>
               <a:r>
-                <a:rPr kumimoji="1" lang="ko-KR" altLang="en-US" sz="788" smtClean="0">
+                <a:rPr kumimoji="1" lang="ko-KR" altLang="en-US" sz="788">
                   <a:ln>
                     <a:solidFill>
                       <a:schemeClr val="bg1">
@@ -7592,7 +7411,7 @@
               <a:defRPr/>
             </a:pPr>
             <a:r>
-              <a:rPr kumimoji="1" lang="en-US" altLang="ko-KR" sz="788" dirty="0" smtClean="0">
+              <a:rPr kumimoji="1" lang="en-US" altLang="ko-KR" sz="788" dirty="0">
                 <a:ln>
                   <a:solidFill>
                     <a:schemeClr val="bg1">
@@ -7610,7 +7429,7 @@
               <a:t>java</a:t>
             </a:r>
             <a:r>
-              <a:rPr kumimoji="1" lang="ko-KR" altLang="en-US" sz="788" dirty="0" smtClean="0">
+              <a:rPr kumimoji="1" lang="ko-KR" altLang="en-US" sz="788" dirty="0">
                 <a:ln>
                   <a:solidFill>
                     <a:schemeClr val="bg1">
@@ -7628,7 +7447,7 @@
               <a:t> </a:t>
             </a:r>
             <a:r>
-              <a:rPr kumimoji="1" lang="en-US" altLang="ko-KR" sz="788" dirty="0" err="1" smtClean="0">
+              <a:rPr kumimoji="1" lang="en-US" altLang="ko-KR" sz="788" dirty="0" err="1">
                 <a:ln>
                   <a:solidFill>
                     <a:schemeClr val="bg1">
@@ -7646,7 +7465,7 @@
               <a:t>GitDataFile</a:t>
             </a:r>
             <a:r>
-              <a:rPr kumimoji="1" lang="en-US" altLang="ko-KR" sz="788" dirty="0" smtClean="0">
+              <a:rPr kumimoji="1" lang="en-US" altLang="ko-KR" sz="788" dirty="0">
                 <a:ln>
                   <a:solidFill>
                     <a:schemeClr val="bg1">
@@ -7664,7 +7483,7 @@
               <a:t> </a:t>
             </a:r>
             <a:r>
-              <a:rPr kumimoji="1" lang="ko-KR" altLang="en-US" sz="788" dirty="0" smtClean="0">
+              <a:rPr kumimoji="1" lang="ko-KR" altLang="en-US" sz="788" dirty="0">
                 <a:ln>
                   <a:solidFill>
                     <a:schemeClr val="bg1">
@@ -7682,7 +7501,7 @@
               <a:t>뒤에 아이디를 입력합니다</a:t>
             </a:r>
             <a:r>
-              <a:rPr kumimoji="1" lang="en-US" altLang="ko-KR" sz="788" dirty="0" smtClean="0">
+              <a:rPr kumimoji="1" lang="en-US" altLang="ko-KR" sz="788" dirty="0">
                 <a:ln>
                   <a:solidFill>
                     <a:schemeClr val="bg1">
@@ -7713,7 +7532,7 @@
               <a:defRPr/>
             </a:pPr>
             <a:r>
-              <a:rPr kumimoji="1" lang="ko-KR" altLang="en-US" sz="788" dirty="0" smtClean="0">
+              <a:rPr kumimoji="1" lang="ko-KR" altLang="en-US" sz="788" dirty="0">
                 <a:ln>
                   <a:solidFill>
                     <a:schemeClr val="bg1">
@@ -7731,7 +7550,7 @@
               <a:t>아이디는 띄어쓰기로 구분하여 여러 개를 동시에 입력이 가능합니다</a:t>
             </a:r>
             <a:r>
-              <a:rPr kumimoji="1" lang="en-US" altLang="ko-KR" sz="788" dirty="0" smtClean="0">
+              <a:rPr kumimoji="1" lang="en-US" altLang="ko-KR" sz="788" dirty="0">
                 <a:ln>
                   <a:solidFill>
                     <a:schemeClr val="bg1">
@@ -7748,21 +7567,6 @@
               </a:rPr>
               <a:t>.</a:t>
             </a:r>
-            <a:endParaRPr kumimoji="1" lang="en-US" altLang="ko-KR" sz="788" dirty="0">
-              <a:ln>
-                <a:solidFill>
-                  <a:schemeClr val="bg1">
-                    <a:lumMod val="85000"/>
-                    <a:alpha val="0"/>
-                  </a:schemeClr>
-                </a:solidFill>
-              </a:ln>
-              <a:solidFill>
-                <a:srgbClr val="4B465E"/>
-              </a:solidFill>
-              <a:latin typeface="맑은 고딕" pitchFamily="50" charset="-127"/>
-              <a:cs typeface="Arial" panose="020B0604020202020204" pitchFamily="34" charset="0"/>
-            </a:endParaRPr>
           </a:p>
         </p:txBody>
       </p:sp>
@@ -7803,7 +7607,7 @@
               <a:defRPr/>
             </a:pPr>
             <a:r>
-              <a:rPr kumimoji="1" lang="ko-KR" altLang="en-US" sz="1350" b="1" dirty="0" smtClean="0">
+              <a:rPr kumimoji="1" lang="ko-KR" altLang="en-US" sz="1350" b="1" dirty="0">
                 <a:ln>
                   <a:solidFill>
                     <a:schemeClr val="bg1">
@@ -7870,7 +7674,7 @@
               <a:defRPr/>
             </a:pPr>
             <a:r>
-              <a:rPr kumimoji="1" lang="en-US" altLang="ko-KR" b="1" dirty="0" smtClean="0">
+              <a:rPr kumimoji="1" lang="en-US" altLang="ko-KR" b="1" dirty="0">
                 <a:ln>
                   <a:solidFill>
                     <a:schemeClr val="bg1">
@@ -7888,22 +7692,6 @@
               </a:rPr>
               <a:t>01</a:t>
             </a:r>
-            <a:endParaRPr kumimoji="1" lang="en-US" altLang="ko-KR" b="1" dirty="0">
-              <a:ln>
-                <a:solidFill>
-                  <a:schemeClr val="bg1">
-                    <a:lumMod val="85000"/>
-                    <a:alpha val="0"/>
-                  </a:schemeClr>
-                </a:solidFill>
-              </a:ln>
-              <a:solidFill>
-                <a:schemeClr val="bg1"/>
-              </a:solidFill>
-              <a:latin typeface="맑은 고딕" pitchFamily="50" charset="-127"/>
-              <a:ea typeface="맑은 고딕" pitchFamily="50" charset="-127"/>
-              <a:cs typeface="Arial" panose="020B0604020202020204" pitchFamily="34" charset="0"/>
-            </a:endParaRPr>
           </a:p>
         </p:txBody>
       </p:sp>
@@ -7941,7 +7729,7 @@
               <a:defRPr/>
             </a:pPr>
             <a:r>
-              <a:rPr kumimoji="1" lang="ko-KR" altLang="en-US" sz="788" dirty="0" smtClean="0">
+              <a:rPr kumimoji="1" lang="ko-KR" altLang="en-US" sz="788" dirty="0">
                 <a:ln>
                   <a:solidFill>
                     <a:prstClr val="white">
@@ -7959,7 +7747,7 @@
               <a:t>아이디 대신 </a:t>
             </a:r>
             <a:r>
-              <a:rPr kumimoji="1" lang="en-US" altLang="ko-KR" sz="788" dirty="0" smtClean="0">
+              <a:rPr kumimoji="1" lang="en-US" altLang="ko-KR" sz="788" dirty="0">
                 <a:ln>
                   <a:solidFill>
                     <a:prstClr val="white">
@@ -7977,7 +7765,7 @@
               <a:t>-f </a:t>
             </a:r>
             <a:r>
-              <a:rPr kumimoji="1" lang="ko-KR" altLang="en-US" sz="788" dirty="0" smtClean="0">
+              <a:rPr kumimoji="1" lang="ko-KR" altLang="en-US" sz="788" dirty="0">
                 <a:ln>
                   <a:solidFill>
                     <a:prstClr val="white">
@@ -7995,7 +7783,7 @@
               <a:t>옵션을</a:t>
             </a:r>
             <a:r>
-              <a:rPr kumimoji="1" lang="en-US" altLang="ko-KR" sz="788" dirty="0" smtClean="0">
+              <a:rPr kumimoji="1" lang="en-US" altLang="ko-KR" sz="788" dirty="0">
                 <a:ln>
                   <a:solidFill>
                     <a:prstClr val="white">
@@ -8013,7 +7801,7 @@
               <a:t> </a:t>
             </a:r>
             <a:r>
-              <a:rPr kumimoji="1" lang="ko-KR" altLang="en-US" sz="788" dirty="0" smtClean="0">
+              <a:rPr kumimoji="1" lang="ko-KR" altLang="en-US" sz="788" dirty="0">
                 <a:ln>
                   <a:solidFill>
                     <a:prstClr val="white">
@@ -8031,7 +7819,7 @@
               <a:t>준 상태에서 파일명을 입력합니다</a:t>
             </a:r>
             <a:r>
-              <a:rPr kumimoji="1" lang="en-US" altLang="ko-KR" sz="788" dirty="0" smtClean="0">
+              <a:rPr kumimoji="1" lang="en-US" altLang="ko-KR" sz="788" dirty="0">
                 <a:ln>
                   <a:solidFill>
                     <a:prstClr val="white">
@@ -8062,7 +7850,7 @@
               <a:defRPr/>
             </a:pPr>
             <a:r>
-              <a:rPr kumimoji="1" lang="ko-KR" altLang="en-US" sz="788" dirty="0" smtClean="0">
+              <a:rPr kumimoji="1" lang="ko-KR" altLang="en-US" sz="788" dirty="0">
                 <a:ln>
                   <a:solidFill>
                     <a:prstClr val="white">
@@ -8080,7 +7868,7 @@
               <a:t>파일명은 </a:t>
             </a:r>
             <a:r>
-              <a:rPr kumimoji="1" lang="ko-KR" altLang="en-US" sz="788" dirty="0" err="1" smtClean="0">
+              <a:rPr kumimoji="1" lang="ko-KR" altLang="en-US" sz="788" dirty="0" err="1">
                 <a:ln>
                   <a:solidFill>
                     <a:prstClr val="white">
@@ -8098,7 +7886,7 @@
               <a:t>확장자를</a:t>
             </a:r>
             <a:r>
-              <a:rPr kumimoji="1" lang="ko-KR" altLang="en-US" sz="788" dirty="0" smtClean="0">
+              <a:rPr kumimoji="1" lang="ko-KR" altLang="en-US" sz="788" dirty="0">
                 <a:ln>
                   <a:solidFill>
                     <a:prstClr val="white">
@@ -8116,7 +7904,7 @@
               <a:t> 포함해주셔야 합니다</a:t>
             </a:r>
             <a:r>
-              <a:rPr kumimoji="1" lang="en-US" altLang="ko-KR" sz="788" dirty="0" smtClean="0">
+              <a:rPr kumimoji="1" lang="en-US" altLang="ko-KR" sz="788" dirty="0">
                 <a:ln>
                   <a:solidFill>
                     <a:prstClr val="white">
@@ -8147,7 +7935,7 @@
               <a:defRPr/>
             </a:pPr>
             <a:r>
-              <a:rPr kumimoji="1" lang="en-US" altLang="ko-KR" sz="788" dirty="0" smtClean="0">
+              <a:rPr kumimoji="1" lang="en-US" altLang="ko-KR" sz="788" dirty="0">
                 <a:ln>
                   <a:solidFill>
                     <a:prstClr val="white">
@@ -8165,7 +7953,7 @@
               <a:t>-f </a:t>
             </a:r>
             <a:r>
-              <a:rPr kumimoji="1" lang="ko-KR" altLang="en-US" sz="788" dirty="0" smtClean="0">
+              <a:rPr kumimoji="1" lang="ko-KR" altLang="en-US" sz="788" dirty="0">
                 <a:ln>
                   <a:solidFill>
                     <a:prstClr val="white">
@@ -8183,7 +7971,7 @@
               <a:t>옵션 사용시 파일은 한 개만 가능합니다</a:t>
             </a:r>
             <a:r>
-              <a:rPr kumimoji="1" lang="en-US" altLang="ko-KR" sz="788" dirty="0" smtClean="0">
+              <a:rPr kumimoji="1" lang="en-US" altLang="ko-KR" sz="788" dirty="0">
                 <a:ln>
                   <a:solidFill>
                     <a:prstClr val="white">
@@ -8214,7 +8002,7 @@
               <a:defRPr/>
             </a:pPr>
             <a:r>
-              <a:rPr kumimoji="1" lang="en-US" altLang="ko-KR" sz="788" dirty="0" smtClean="0">
+              <a:rPr kumimoji="1" lang="en-US" altLang="ko-KR" sz="788" dirty="0">
                 <a:ln>
                   <a:solidFill>
                     <a:prstClr val="white">
@@ -8232,7 +8020,7 @@
               <a:t>.csv, .txt</a:t>
             </a:r>
             <a:r>
-              <a:rPr kumimoji="1" lang="ko-KR" altLang="en-US" sz="788" dirty="0" smtClean="0">
+              <a:rPr kumimoji="1" lang="ko-KR" altLang="en-US" sz="788" dirty="0">
                 <a:ln>
                   <a:solidFill>
                     <a:prstClr val="white">
@@ -8250,7 +8038,7 @@
               <a:t>사용 가능합니다</a:t>
             </a:r>
             <a:r>
-              <a:rPr kumimoji="1" lang="en-US" altLang="ko-KR" sz="788" dirty="0" smtClean="0">
+              <a:rPr kumimoji="1" lang="en-US" altLang="ko-KR" sz="788" dirty="0">
                 <a:ln>
                   <a:solidFill>
                     <a:prstClr val="white">
@@ -8267,21 +8055,6 @@
               </a:rPr>
               <a:t>.</a:t>
             </a:r>
-            <a:endParaRPr kumimoji="1" lang="en-US" altLang="ko-KR" sz="788" dirty="0">
-              <a:ln>
-                <a:solidFill>
-                  <a:prstClr val="white">
-                    <a:lumMod val="85000"/>
-                    <a:alpha val="0"/>
-                  </a:prstClr>
-                </a:solidFill>
-              </a:ln>
-              <a:solidFill>
-                <a:srgbClr val="4B465E"/>
-              </a:solidFill>
-              <a:latin typeface="맑은 고딕" pitchFamily="50" charset="-127"/>
-              <a:cs typeface="Arial" panose="020B0604020202020204" pitchFamily="34" charset="0"/>
-            </a:endParaRPr>
           </a:p>
         </p:txBody>
       </p:sp>
@@ -8337,25 +8110,7 @@
                 <a:latin typeface="맑은 고딕" pitchFamily="50" charset="-127"/>
                 <a:cs typeface="Arial" panose="020B0604020202020204" pitchFamily="34" charset="0"/>
               </a:rPr>
-              <a:t>아</a:t>
-            </a:r>
-            <a:r>
-              <a:rPr kumimoji="1" lang="ko-KR" altLang="en-US" sz="1350" b="1" dirty="0" smtClean="0">
-                <a:ln>
-                  <a:solidFill>
-                    <a:schemeClr val="bg1">
-                      <a:lumMod val="85000"/>
-                      <a:alpha val="0"/>
-                    </a:schemeClr>
-                  </a:solidFill>
-                </a:ln>
-                <a:solidFill>
-                  <a:srgbClr val="4B465E"/>
-                </a:solidFill>
-                <a:latin typeface="맑은 고딕" pitchFamily="50" charset="-127"/>
-                <a:cs typeface="Arial" panose="020B0604020202020204" pitchFamily="34" charset="0"/>
-              </a:rPr>
-              <a:t>이디를 모은 파일을 사용하여 출력</a:t>
+              <a:t>아이디를 모은 파일을 사용하여 출력</a:t>
             </a:r>
             <a:endParaRPr kumimoji="1" lang="en-US" altLang="ko-KR" sz="1350" b="1" dirty="0">
               <a:ln>
@@ -8433,13 +8188,6 @@
   <p:clrMapOvr>
     <a:masterClrMapping/>
   </p:clrMapOvr>
-  <p:timing>
-    <p:tnLst>
-      <p:par>
-        <p:cTn id="1" dur="indefinite" restart="never" nodeType="tmRoot"/>
-      </p:par>
-    </p:tnLst>
-  </p:timing>
 </p:sld>
 </file>
 
@@ -8566,7 +8314,7 @@
                   <a:defRPr/>
                 </a:pPr>
                 <a:r>
-                  <a:rPr kumimoji="1" lang="ko-KR" altLang="en-US" b="1" smtClean="0">
+                  <a:rPr kumimoji="1" lang="ko-KR" altLang="en-US" b="1">
                     <a:ln>
                       <a:solidFill>
                         <a:schemeClr val="bg1">
@@ -8633,7 +8381,7 @@
                   <a:defRPr/>
                 </a:pPr>
                 <a:r>
-                  <a:rPr kumimoji="1" lang="ko-KR" altLang="en-US" sz="788" smtClean="0">
+                  <a:rPr kumimoji="1" lang="ko-KR" altLang="en-US" sz="788">
                     <a:ln>
                       <a:solidFill>
                         <a:schemeClr val="bg1">
@@ -8701,7 +8449,7 @@
                 <a:defRPr/>
               </a:pPr>
               <a:r>
-                <a:rPr kumimoji="1" lang="en-US" altLang="ko-KR" b="1" dirty="0" smtClean="0">
+                <a:rPr kumimoji="1" lang="en-US" altLang="ko-KR" b="1" dirty="0">
                   <a:ln>
                     <a:solidFill>
                       <a:schemeClr val="bg1">
@@ -8719,22 +8467,6 @@
                 </a:rPr>
                 <a:t>01</a:t>
               </a:r>
-              <a:endParaRPr kumimoji="1" lang="en-US" altLang="ko-KR" b="1" dirty="0">
-                <a:ln>
-                  <a:solidFill>
-                    <a:schemeClr val="bg1">
-                      <a:lumMod val="85000"/>
-                      <a:alpha val="0"/>
-                    </a:schemeClr>
-                  </a:solidFill>
-                </a:ln>
-                <a:solidFill>
-                  <a:schemeClr val="bg1"/>
-                </a:solidFill>
-                <a:latin typeface="맑은 고딕" pitchFamily="50" charset="-127"/>
-                <a:ea typeface="맑은 고딕" pitchFamily="50" charset="-127"/>
-                <a:cs typeface="Arial" panose="020B0604020202020204" pitchFamily="34" charset="0"/>
-              </a:endParaRPr>
             </a:p>
           </p:txBody>
         </p:sp>
@@ -8836,7 +8568,7 @@
                 <a:defRPr/>
               </a:pPr>
               <a:r>
-                <a:rPr kumimoji="1" lang="en-US" altLang="ko-KR" sz="825" dirty="0" smtClean="0">
+                <a:rPr kumimoji="1" lang="en-US" altLang="ko-KR" sz="825" dirty="0">
                   <a:ln>
                     <a:solidFill>
                       <a:schemeClr val="bg1">
@@ -8854,7 +8586,7 @@
                 <a:t>Java SE 7 </a:t>
               </a:r>
               <a:r>
-                <a:rPr kumimoji="1" lang="ko-KR" altLang="en-US" sz="825" dirty="0" smtClean="0">
+                <a:rPr kumimoji="1" lang="ko-KR" altLang="en-US" sz="825" dirty="0">
                   <a:ln>
                     <a:solidFill>
                       <a:schemeClr val="bg1">
@@ -8872,7 +8604,7 @@
                 <a:t>이상 버전에서만 실행이 가능합니다</a:t>
               </a:r>
               <a:r>
-                <a:rPr kumimoji="1" lang="en-US" altLang="ko-KR" sz="825" dirty="0" smtClean="0">
+                <a:rPr kumimoji="1" lang="en-US" altLang="ko-KR" sz="825" dirty="0">
                   <a:ln>
                     <a:solidFill>
                       <a:schemeClr val="bg1">
@@ -8889,21 +8621,6 @@
                 </a:rPr>
                 <a:t>. </a:t>
               </a:r>
-              <a:endParaRPr kumimoji="1" lang="en-US" altLang="ko-KR" sz="825" dirty="0">
-                <a:ln>
-                  <a:solidFill>
-                    <a:schemeClr val="bg1">
-                      <a:lumMod val="85000"/>
-                      <a:alpha val="0"/>
-                    </a:schemeClr>
-                  </a:solidFill>
-                </a:ln>
-                <a:solidFill>
-                  <a:srgbClr val="4B465E"/>
-                </a:solidFill>
-                <a:latin typeface="맑은 고딕" pitchFamily="50" charset="-127"/>
-                <a:cs typeface="Arial" panose="020B0604020202020204" pitchFamily="34" charset="0"/>
-              </a:endParaRPr>
             </a:p>
           </p:txBody>
         </p:sp>
@@ -8939,7 +8656,7 @@
                 <a:defRPr/>
               </a:pPr>
               <a:r>
-                <a:rPr kumimoji="1" lang="en-US" altLang="ko-KR" sz="1350" b="1" dirty="0" smtClean="0">
+                <a:rPr kumimoji="1" lang="en-US" altLang="ko-KR" sz="1350" b="1" dirty="0">
                   <a:ln>
                     <a:solidFill>
                       <a:schemeClr val="bg1">
@@ -8956,21 +8673,6 @@
                 </a:rPr>
                 <a:t>Java SE 7</a:t>
               </a:r>
-              <a:endParaRPr kumimoji="1" lang="en-US" altLang="ko-KR" sz="1350" b="1" dirty="0">
-                <a:ln>
-                  <a:solidFill>
-                    <a:schemeClr val="bg1">
-                      <a:lumMod val="85000"/>
-                      <a:alpha val="0"/>
-                    </a:schemeClr>
-                  </a:solidFill>
-                </a:ln>
-                <a:solidFill>
-                  <a:srgbClr val="4B465E"/>
-                </a:solidFill>
-                <a:latin typeface="맑은 고딕" pitchFamily="50" charset="-127"/>
-                <a:cs typeface="Arial" panose="020B0604020202020204" pitchFamily="34" charset="0"/>
-              </a:endParaRPr>
             </a:p>
           </p:txBody>
         </p:sp>
@@ -9107,7 +8809,7 @@
                 <a:defRPr/>
               </a:pPr>
               <a:r>
-                <a:rPr kumimoji="1" lang="en-US" altLang="ko-KR" sz="825" dirty="0" smtClean="0">
+                <a:rPr kumimoji="1" lang="en-US" altLang="ko-KR" sz="825" dirty="0">
                   <a:ln>
                     <a:solidFill>
                       <a:schemeClr val="bg1">
@@ -9125,7 +8827,7 @@
                 <a:t>Input </a:t>
               </a:r>
               <a:r>
-                <a:rPr kumimoji="1" lang="ko-KR" altLang="en-US" sz="825" dirty="0" smtClean="0">
+                <a:rPr kumimoji="1" lang="ko-KR" altLang="en-US" sz="825" dirty="0">
                   <a:ln>
                     <a:solidFill>
                       <a:schemeClr val="bg1">
@@ -9143,108 +8845,7 @@
                 <a:t>파일은 아이디만 모여진 파일로 부탁드립니다</a:t>
               </a:r>
               <a:r>
-                <a:rPr kumimoji="1" lang="en-US" altLang="ko-KR" sz="825" dirty="0" smtClean="0">
-                  <a:ln>
-                    <a:solidFill>
-                      <a:schemeClr val="bg1">
-                        <a:lumMod val="85000"/>
-                        <a:alpha val="0"/>
-                      </a:schemeClr>
-                    </a:solidFill>
-                  </a:ln>
-                  <a:solidFill>
-                    <a:srgbClr val="4B465E"/>
-                  </a:solidFill>
-                  <a:latin typeface="맑은 고딕" pitchFamily="50" charset="-127"/>
-                  <a:cs typeface="Arial" panose="020B0604020202020204" pitchFamily="34" charset="0"/>
-                </a:rPr>
-                <a:t>.</a:t>
-              </a:r>
-              <a:endParaRPr kumimoji="1" lang="en-US" altLang="ko-KR" sz="825" dirty="0">
-                <a:ln>
-                  <a:solidFill>
-                    <a:schemeClr val="bg1">
-                      <a:lumMod val="85000"/>
-                      <a:alpha val="0"/>
-                    </a:schemeClr>
-                  </a:solidFill>
-                </a:ln>
-                <a:solidFill>
-                  <a:srgbClr val="4B465E"/>
-                </a:solidFill>
-                <a:latin typeface="맑은 고딕" pitchFamily="50" charset="-127"/>
-                <a:cs typeface="Arial" panose="020B0604020202020204" pitchFamily="34" charset="0"/>
-              </a:endParaRPr>
-            </a:p>
-            <a:p>
-              <a:pPr algn="ctr" defTabSz="684610" fontAlgn="base">
-                <a:lnSpc>
-                  <a:spcPct val="120000"/>
-                </a:lnSpc>
-                <a:spcBef>
-                  <a:spcPts val="450"/>
-                </a:spcBef>
-                <a:spcAft>
-                  <a:spcPct val="0"/>
-                </a:spcAft>
-                <a:defRPr/>
-              </a:pPr>
-              <a:r>
-                <a:rPr kumimoji="1" lang="ko-KR" altLang="en-US" sz="825" dirty="0" smtClean="0">
-                  <a:ln>
-                    <a:solidFill>
-                      <a:schemeClr val="bg1">
-                        <a:lumMod val="85000"/>
-                        <a:alpha val="0"/>
-                      </a:schemeClr>
-                    </a:solidFill>
-                  </a:ln>
-                  <a:solidFill>
-                    <a:srgbClr val="4B465E"/>
-                  </a:solidFill>
-                  <a:latin typeface="맑은 고딕" pitchFamily="50" charset="-127"/>
-                  <a:cs typeface="Arial" panose="020B0604020202020204" pitchFamily="34" charset="0"/>
-                </a:rPr>
-                <a:t>아이디와 아이디는 쉼표 혹은 </a:t>
-              </a:r>
-              <a:r>
-                <a:rPr kumimoji="1" lang="ko-KR" altLang="en-US" sz="825" dirty="0" err="1" smtClean="0">
-                  <a:ln>
-                    <a:solidFill>
-                      <a:schemeClr val="bg1">
-                        <a:lumMod val="85000"/>
-                        <a:alpha val="0"/>
-                      </a:schemeClr>
-                    </a:solidFill>
-                  </a:ln>
-                  <a:solidFill>
-                    <a:srgbClr val="4B465E"/>
-                  </a:solidFill>
-                  <a:latin typeface="맑은 고딕" pitchFamily="50" charset="-127"/>
-                  <a:cs typeface="Arial" panose="020B0604020202020204" pitchFamily="34" charset="0"/>
-                </a:rPr>
-                <a:t>개행문자로</a:t>
-              </a:r>
-              <a:r>
-                <a:rPr kumimoji="1" lang="ko-KR" altLang="en-US" sz="825" dirty="0" smtClean="0">
-                  <a:ln>
-                    <a:solidFill>
-                      <a:schemeClr val="bg1">
-                        <a:lumMod val="85000"/>
-                        <a:alpha val="0"/>
-                      </a:schemeClr>
-                    </a:solidFill>
-                  </a:ln>
-                  <a:solidFill>
-                    <a:srgbClr val="4B465E"/>
-                  </a:solidFill>
-                  <a:latin typeface="맑은 고딕" pitchFamily="50" charset="-127"/>
-                  <a:cs typeface="Arial" panose="020B0604020202020204" pitchFamily="34" charset="0"/>
-                </a:rPr>
-                <a:t> 구분해 주시기 바랍니다</a:t>
-              </a:r>
-              <a:r>
-                <a:rPr kumimoji="1" lang="en-US" altLang="ko-KR" sz="825" dirty="0" smtClean="0">
+                <a:rPr kumimoji="1" lang="en-US" altLang="ko-KR" sz="825" dirty="0">
                   <a:ln>
                     <a:solidFill>
                       <a:schemeClr val="bg1">
@@ -9276,7 +8877,7 @@
                 <a:defRPr/>
               </a:pPr>
               <a:r>
-                <a:rPr kumimoji="1" lang="en-US" altLang="ko-KR" sz="825" dirty="0" smtClean="0">
+                <a:rPr kumimoji="1" lang="ko-KR" altLang="en-US" sz="825" dirty="0">
                   <a:ln>
                     <a:solidFill>
                       <a:schemeClr val="bg1">
@@ -9291,10 +8892,10 @@
                   <a:latin typeface="맑은 고딕" pitchFamily="50" charset="-127"/>
                   <a:cs typeface="Arial" panose="020B0604020202020204" pitchFamily="34" charset="0"/>
                 </a:rPr>
-                <a:t>.csv .txt </a:t>
+                <a:t>아이디와 아이디는 쉼표 혹은 </a:t>
               </a:r>
               <a:r>
-                <a:rPr kumimoji="1" lang="ko-KR" altLang="en-US" sz="825" dirty="0" smtClean="0">
+                <a:rPr kumimoji="1" lang="ko-KR" altLang="en-US" sz="825" dirty="0" err="1">
                   <a:ln>
                     <a:solidFill>
                       <a:schemeClr val="bg1">
@@ -9309,10 +8910,96 @@
                   <a:latin typeface="맑은 고딕" pitchFamily="50" charset="-127"/>
                   <a:cs typeface="Arial" panose="020B0604020202020204" pitchFamily="34" charset="0"/>
                 </a:rPr>
+                <a:t>개행문자로</a:t>
+              </a:r>
+              <a:r>
+                <a:rPr kumimoji="1" lang="ko-KR" altLang="en-US" sz="825" dirty="0">
+                  <a:ln>
+                    <a:solidFill>
+                      <a:schemeClr val="bg1">
+                        <a:lumMod val="85000"/>
+                        <a:alpha val="0"/>
+                      </a:schemeClr>
+                    </a:solidFill>
+                  </a:ln>
+                  <a:solidFill>
+                    <a:srgbClr val="4B465E"/>
+                  </a:solidFill>
+                  <a:latin typeface="맑은 고딕" pitchFamily="50" charset="-127"/>
+                  <a:cs typeface="Arial" panose="020B0604020202020204" pitchFamily="34" charset="0"/>
+                </a:rPr>
+                <a:t> 구분해 주시기 바랍니다</a:t>
+              </a:r>
+              <a:r>
+                <a:rPr kumimoji="1" lang="en-US" altLang="ko-KR" sz="825" dirty="0">
+                  <a:ln>
+                    <a:solidFill>
+                      <a:schemeClr val="bg1">
+                        <a:lumMod val="85000"/>
+                        <a:alpha val="0"/>
+                      </a:schemeClr>
+                    </a:solidFill>
+                  </a:ln>
+                  <a:solidFill>
+                    <a:srgbClr val="4B465E"/>
+                  </a:solidFill>
+                  <a:latin typeface="맑은 고딕" pitchFamily="50" charset="-127"/>
+                  <a:cs typeface="Arial" panose="020B0604020202020204" pitchFamily="34" charset="0"/>
+                </a:rPr>
+                <a:t>.</a:t>
+              </a:r>
+            </a:p>
+            <a:p>
+              <a:pPr algn="ctr" defTabSz="684610" fontAlgn="base">
+                <a:lnSpc>
+                  <a:spcPct val="120000"/>
+                </a:lnSpc>
+                <a:spcBef>
+                  <a:spcPts val="450"/>
+                </a:spcBef>
+                <a:spcAft>
+                  <a:spcPct val="0"/>
+                </a:spcAft>
+                <a:defRPr/>
+              </a:pPr>
+              <a:r>
+                <a:rPr kumimoji="1" lang="en-US" altLang="ko-KR" sz="825" dirty="0">
+                  <a:ln>
+                    <a:solidFill>
+                      <a:schemeClr val="bg1">
+                        <a:lumMod val="85000"/>
+                        <a:alpha val="0"/>
+                      </a:schemeClr>
+                    </a:solidFill>
+                  </a:ln>
+                  <a:solidFill>
+                    <a:srgbClr val="4B465E"/>
+                  </a:solidFill>
+                  <a:latin typeface="맑은 고딕" pitchFamily="50" charset="-127"/>
+                  <a:cs typeface="Arial" panose="020B0604020202020204" pitchFamily="34" charset="0"/>
+                </a:rPr>
+                <a:t>.csv .txt </a:t>
+              </a:r>
+              <a:r>
+                <a:rPr kumimoji="1" lang="ko-KR" altLang="en-US" sz="825" dirty="0">
+                  <a:ln>
+                    <a:solidFill>
+                      <a:schemeClr val="bg1">
+                        <a:lumMod val="85000"/>
+                        <a:alpha val="0"/>
+                      </a:schemeClr>
+                    </a:solidFill>
+                  </a:ln>
+                  <a:solidFill>
+                    <a:srgbClr val="4B465E"/>
+                  </a:solidFill>
+                  <a:latin typeface="맑은 고딕" pitchFamily="50" charset="-127"/>
+                  <a:cs typeface="Arial" panose="020B0604020202020204" pitchFamily="34" charset="0"/>
+                </a:rPr>
                 <a:t>다 가능합니다</a:t>
               </a:r>
               <a:r>
-                <a:rPr kumimoji="1" lang="en-US" altLang="ko-KR" sz="825" dirty="0" smtClean="0">
+                <a:rPr kumimoji="1" lang="en-US" altLang="ko-KR" sz="825" dirty="0">
                   <a:ln>
                     <a:solidFill>
                       <a:schemeClr val="bg1">
@@ -9364,7 +9051,7 @@
                 <a:defRPr/>
               </a:pPr>
               <a:r>
-                <a:rPr kumimoji="1" lang="en-US" altLang="ko-KR" sz="1350" b="1" dirty="0" smtClean="0">
+                <a:rPr kumimoji="1" lang="en-US" altLang="ko-KR" sz="1350" b="1" dirty="0">
                   <a:ln>
                     <a:solidFill>
                       <a:schemeClr val="bg1">
@@ -9382,7 +9069,7 @@
                 <a:t>Input </a:t>
               </a:r>
               <a:r>
-                <a:rPr kumimoji="1" lang="ko-KR" altLang="en-US" sz="1350" b="1" dirty="0" smtClean="0">
+                <a:rPr kumimoji="1" lang="ko-KR" altLang="en-US" sz="1350" b="1" dirty="0">
                   <a:ln>
                     <a:solidFill>
                       <a:schemeClr val="bg1">
@@ -9550,7 +9237,7 @@
                 <a:defRPr/>
               </a:pPr>
               <a:r>
-                <a:rPr kumimoji="1" lang="en-US" altLang="ko-KR" sz="825" dirty="0" smtClean="0">
+                <a:rPr kumimoji="1" lang="en-US" altLang="ko-KR" sz="825" dirty="0">
                   <a:ln>
                     <a:solidFill>
                       <a:schemeClr val="bg1">
@@ -9568,7 +9255,7 @@
                 <a:t>-f </a:t>
               </a:r>
               <a:r>
-                <a:rPr kumimoji="1" lang="ko-KR" altLang="en-US" sz="825" dirty="0" smtClean="0">
+                <a:rPr kumimoji="1" lang="ko-KR" altLang="en-US" sz="825" dirty="0">
                   <a:ln>
                     <a:solidFill>
                       <a:schemeClr val="bg1">
@@ -9586,7 +9273,7 @@
                 <a:t>옵션을 사용하여 파일을 통하여 입력 받을 때 파일을 여러 개 입력 하여도 첫번째 입력 받은 파일만 입력이 됩니다</a:t>
               </a:r>
               <a:r>
-                <a:rPr kumimoji="1" lang="en-US" altLang="ko-KR" sz="825" dirty="0" smtClean="0">
+                <a:rPr kumimoji="1" lang="en-US" altLang="ko-KR" sz="825" dirty="0">
                   <a:ln>
                     <a:solidFill>
                       <a:schemeClr val="bg1">
@@ -9603,21 +9290,6 @@
                 </a:rPr>
                 <a:t>.</a:t>
               </a:r>
-              <a:endParaRPr kumimoji="1" lang="en-US" altLang="ko-KR" sz="825" dirty="0">
-                <a:ln>
-                  <a:solidFill>
-                    <a:schemeClr val="bg1">
-                      <a:lumMod val="85000"/>
-                      <a:alpha val="0"/>
-                    </a:schemeClr>
-                  </a:solidFill>
-                </a:ln>
-                <a:solidFill>
-                  <a:srgbClr val="4B465E"/>
-                </a:solidFill>
-                <a:latin typeface="맑은 고딕" pitchFamily="50" charset="-127"/>
-                <a:cs typeface="Arial" panose="020B0604020202020204" pitchFamily="34" charset="0"/>
-              </a:endParaRPr>
             </a:p>
           </p:txBody>
         </p:sp>
@@ -9653,7 +9325,7 @@
                 <a:defRPr/>
               </a:pPr>
               <a:r>
-                <a:rPr kumimoji="1" lang="ko-KR" altLang="en-US" sz="1350" b="1" dirty="0" smtClean="0">
+                <a:rPr kumimoji="1" lang="ko-KR" altLang="en-US" sz="1350" b="1" dirty="0">
                   <a:ln>
                     <a:solidFill>
                       <a:schemeClr val="bg1">
@@ -9821,7 +9493,7 @@
                 <a:defRPr/>
               </a:pPr>
               <a:r>
-                <a:rPr kumimoji="1" lang="ko-KR" altLang="en-US" sz="825" dirty="0" smtClean="0">
+                <a:rPr kumimoji="1" lang="ko-KR" altLang="en-US" sz="825" dirty="0">
                   <a:ln>
                     <a:solidFill>
                       <a:schemeClr val="bg1">
@@ -9839,7 +9511,7 @@
                 <a:t>아이디가 저장된 파일과 프로그램이 같은 폴더에 위치하면 파일명</a:t>
               </a:r>
               <a:r>
-                <a:rPr kumimoji="1" lang="en-US" altLang="ko-KR" sz="825" dirty="0" smtClean="0">
+                <a:rPr kumimoji="1" lang="en-US" altLang="ko-KR" sz="825" dirty="0">
                   <a:ln>
                     <a:solidFill>
                       <a:schemeClr val="bg1">
@@ -9857,7 +9529,7 @@
                 <a:t>(</a:t>
               </a:r>
               <a:r>
-                <a:rPr kumimoji="1" lang="ko-KR" altLang="en-US" sz="825" dirty="0" err="1" smtClean="0">
+                <a:rPr kumimoji="1" lang="ko-KR" altLang="en-US" sz="825" dirty="0" err="1">
                   <a:ln>
                     <a:solidFill>
                       <a:schemeClr val="bg1">
@@ -9875,7 +9547,7 @@
                 <a:t>확장자</a:t>
               </a:r>
               <a:r>
-                <a:rPr kumimoji="1" lang="ko-KR" altLang="en-US" sz="825" dirty="0" smtClean="0">
+                <a:rPr kumimoji="1" lang="ko-KR" altLang="en-US" sz="825" dirty="0">
                   <a:ln>
                     <a:solidFill>
                       <a:schemeClr val="bg1">
@@ -9893,7 +9565,7 @@
                 <a:t> 포함</a:t>
               </a:r>
               <a:r>
-                <a:rPr kumimoji="1" lang="en-US" altLang="ko-KR" sz="825" dirty="0" smtClean="0">
+                <a:rPr kumimoji="1" lang="en-US" altLang="ko-KR" sz="825" dirty="0">
                   <a:ln>
                     <a:solidFill>
                       <a:schemeClr val="bg1">
@@ -9911,7 +9583,7 @@
                 <a:t>)</a:t>
               </a:r>
               <a:r>
-                <a:rPr kumimoji="1" lang="ko-KR" altLang="en-US" sz="825" dirty="0" smtClean="0">
+                <a:rPr kumimoji="1" lang="ko-KR" altLang="en-US" sz="825" dirty="0">
                   <a:ln>
                     <a:solidFill>
                       <a:schemeClr val="bg1">
@@ -9929,7 +9601,7 @@
                 <a:t>만 입력하여도 되지만 서로 다른 위치에 있을 경우 파일의 위치까지 같이 입력 해 주셔야 합니다</a:t>
               </a:r>
               <a:r>
-                <a:rPr kumimoji="1" lang="en-US" altLang="ko-KR" sz="825" dirty="0" smtClean="0">
+                <a:rPr kumimoji="1" lang="en-US" altLang="ko-KR" sz="825" dirty="0">
                   <a:ln>
                     <a:solidFill>
                       <a:schemeClr val="bg1">
@@ -9946,21 +9618,6 @@
                 </a:rPr>
                 <a:t>.</a:t>
               </a:r>
-              <a:endParaRPr kumimoji="1" lang="en-US" altLang="ko-KR" sz="825" dirty="0">
-                <a:ln>
-                  <a:solidFill>
-                    <a:schemeClr val="bg1">
-                      <a:lumMod val="85000"/>
-                      <a:alpha val="0"/>
-                    </a:schemeClr>
-                  </a:solidFill>
-                </a:ln>
-                <a:solidFill>
-                  <a:srgbClr val="4B465E"/>
-                </a:solidFill>
-                <a:latin typeface="맑은 고딕" pitchFamily="50" charset="-127"/>
-                <a:cs typeface="Arial" panose="020B0604020202020204" pitchFamily="34" charset="0"/>
-              </a:endParaRPr>
             </a:p>
           </p:txBody>
         </p:sp>
@@ -9996,7 +9653,7 @@
                 <a:defRPr/>
               </a:pPr>
               <a:r>
-                <a:rPr kumimoji="1" lang="ko-KR" altLang="en-US" sz="1350" b="1" dirty="0" smtClean="0">
+                <a:rPr kumimoji="1" lang="ko-KR" altLang="en-US" sz="1350" b="1" dirty="0">
                   <a:ln>
                     <a:solidFill>
                       <a:schemeClr val="bg1">
@@ -10156,13 +9813,6 @@
   <p:clrMapOvr>
     <a:masterClrMapping/>
   </p:clrMapOvr>
-  <p:timing>
-    <p:tnLst>
-      <p:par>
-        <p:cTn id="1" dur="indefinite" restart="never" nodeType="tmRoot"/>
-      </p:par>
-    </p:tnLst>
-  </p:timing>
 </p:sld>
 </file>
 
@@ -10235,21 +9885,6 @@
               </a:rPr>
               <a:t>End Of Document</a:t>
             </a:r>
-            <a:endParaRPr kumimoji="1" lang="en-US" altLang="ko-KR" sz="2100" b="1" dirty="0">
-              <a:ln>
-                <a:solidFill>
-                  <a:schemeClr val="bg1">
-                    <a:lumMod val="85000"/>
-                    <a:alpha val="0"/>
-                  </a:schemeClr>
-                </a:solidFill>
-              </a:ln>
-              <a:solidFill>
-                <a:srgbClr val="F2F2F2"/>
-              </a:solidFill>
-              <a:latin typeface="맑은 고딕" pitchFamily="50" charset="-127"/>
-              <a:cs typeface="Arial" panose="020B0604020202020204" pitchFamily="34" charset="0"/>
-            </a:endParaRPr>
           </a:p>
         </p:txBody>
       </p:sp>
@@ -10347,23 +9982,6 @@
               </a:rPr>
               <a:t>you</a:t>
             </a:r>
-            <a:endParaRPr kumimoji="1" lang="en-US" altLang="ko-KR" sz="1350" b="1" dirty="0">
-              <a:ln>
-                <a:solidFill>
-                  <a:schemeClr val="bg1">
-                    <a:lumMod val="85000"/>
-                    <a:alpha val="0"/>
-                  </a:schemeClr>
-                </a:solidFill>
-              </a:ln>
-              <a:solidFill>
-                <a:srgbClr val="F2F2F2">
-                  <a:alpha val="50000"/>
-                </a:srgbClr>
-              </a:solidFill>
-              <a:latin typeface="맑은 고딕" pitchFamily="50" charset="-127"/>
-              <a:cs typeface="Arial" panose="020B0604020202020204" pitchFamily="34" charset="0"/>
-            </a:endParaRPr>
           </a:p>
         </p:txBody>
       </p:sp>
@@ -10377,13 +9995,6 @@
   <p:clrMapOvr>
     <a:masterClrMapping/>
   </p:clrMapOvr>
-  <p:timing>
-    <p:tnLst>
-      <p:par>
-        <p:cTn id="1" dur="indefinite" restart="never" nodeType="tmRoot"/>
-      </p:par>
-    </p:tnLst>
-  </p:timing>
 </p:sld>
 </file>
 
